--- a/BCI - Batch2 - Day12 - Webpack http server and production.pptx
+++ b/BCI - Batch2 - Day12 - Webpack http server and production.pptx
@@ -8291,10 +8291,10 @@
                 <a:solidFill>
                   <a:srgbClr val="FFFFFF"/>
                 </a:solidFill>
-                <a:latin typeface="Montserrat"/>
-                <a:ea typeface="Montserrat"/>
-                <a:cs typeface="Montserrat"/>
-                <a:sym typeface="Montserrat"/>
+                <a:latin typeface="Montserrat" panose="00000500000000000000"/>
+                <a:ea typeface="Montserrat" panose="00000500000000000000"/>
+                <a:cs typeface="Montserrat" panose="00000500000000000000"/>
+                <a:sym typeface="Montserrat" panose="00000500000000000000"/>
               </a:defRPr>
             </a:lvl1pPr>
           </a:lstStyle>
@@ -8517,10 +8517,10 @@
                 <a:solidFill>
                   <a:srgbClr val="FFFFFF"/>
                 </a:solidFill>
-                <a:latin typeface="Montserrat"/>
-                <a:ea typeface="Montserrat"/>
-                <a:cs typeface="Montserrat"/>
-                <a:sym typeface="Montserrat"/>
+                <a:latin typeface="Montserrat" panose="00000500000000000000"/>
+                <a:ea typeface="Montserrat" panose="00000500000000000000"/>
+                <a:cs typeface="Montserrat" panose="00000500000000000000"/>
+                <a:sym typeface="Montserrat" panose="00000500000000000000"/>
               </a:defRPr>
             </a:lvl1pPr>
           </a:lstStyle>
@@ -8755,10 +8755,10 @@
                 <a:solidFill>
                   <a:srgbClr val="FFFFFF"/>
                 </a:solidFill>
-                <a:latin typeface="Montserrat"/>
-                <a:ea typeface="Montserrat"/>
-                <a:cs typeface="Montserrat"/>
-                <a:sym typeface="Montserrat"/>
+                <a:latin typeface="Montserrat" panose="00000500000000000000"/>
+                <a:ea typeface="Montserrat" panose="00000500000000000000"/>
+                <a:cs typeface="Montserrat" panose="00000500000000000000"/>
+                <a:sym typeface="Montserrat" panose="00000500000000000000"/>
               </a:defRPr>
             </a:lvl1pPr>
           </a:lstStyle>
@@ -9110,10 +9110,10 @@
                 <a:solidFill>
                   <a:srgbClr val="FFFFFF"/>
                 </a:solidFill>
-                <a:latin typeface="Montserrat"/>
-                <a:ea typeface="Montserrat"/>
-                <a:cs typeface="Montserrat"/>
-                <a:sym typeface="Montserrat"/>
+                <a:latin typeface="Montserrat" panose="00000500000000000000"/>
+                <a:ea typeface="Montserrat" panose="00000500000000000000"/>
+                <a:cs typeface="Montserrat" panose="00000500000000000000"/>
+                <a:sym typeface="Montserrat" panose="00000500000000000000"/>
               </a:defRPr>
             </a:lvl1pPr>
           </a:lstStyle>
@@ -9358,10 +9358,10 @@
                 <a:solidFill>
                   <a:srgbClr val="FFFFFF"/>
                 </a:solidFill>
-                <a:latin typeface="Montserrat"/>
-                <a:ea typeface="Montserrat"/>
-                <a:cs typeface="Montserrat"/>
-                <a:sym typeface="Montserrat"/>
+                <a:latin typeface="Montserrat" panose="00000500000000000000"/>
+                <a:ea typeface="Montserrat" panose="00000500000000000000"/>
+                <a:cs typeface="Montserrat" panose="00000500000000000000"/>
+                <a:sym typeface="Montserrat" panose="00000500000000000000"/>
               </a:defRPr>
             </a:lvl1pPr>
           </a:lstStyle>
@@ -9630,10 +9630,10 @@
                 <a:solidFill>
                   <a:srgbClr val="FFFFFF"/>
                 </a:solidFill>
-                <a:latin typeface="Montserrat"/>
-                <a:ea typeface="Montserrat"/>
-                <a:cs typeface="Montserrat"/>
-                <a:sym typeface="Montserrat"/>
+                <a:latin typeface="Montserrat" panose="00000500000000000000"/>
+                <a:ea typeface="Montserrat" panose="00000500000000000000"/>
+                <a:cs typeface="Montserrat" panose="00000500000000000000"/>
+                <a:sym typeface="Montserrat" panose="00000500000000000000"/>
               </a:defRPr>
             </a:lvl1pPr>
           </a:lstStyle>
@@ -9869,10 +9869,10 @@
                 <a:solidFill>
                   <a:srgbClr val="FFFFFF"/>
                 </a:solidFill>
-                <a:latin typeface="Montserrat"/>
-                <a:ea typeface="Montserrat"/>
-                <a:cs typeface="Montserrat"/>
-                <a:sym typeface="Montserrat"/>
+                <a:latin typeface="Montserrat" panose="00000500000000000000"/>
+                <a:ea typeface="Montserrat" panose="00000500000000000000"/>
+                <a:cs typeface="Montserrat" panose="00000500000000000000"/>
+                <a:sym typeface="Montserrat" panose="00000500000000000000"/>
               </a:defRPr>
             </a:lvl1pPr>
           </a:lstStyle>
@@ -10132,10 +10132,10 @@
                 <a:solidFill>
                   <a:srgbClr val="FFFFFF"/>
                 </a:solidFill>
-                <a:latin typeface="Montserrat"/>
-                <a:ea typeface="Montserrat"/>
-                <a:cs typeface="Montserrat"/>
-                <a:sym typeface="Montserrat"/>
+                <a:latin typeface="Montserrat" panose="00000500000000000000"/>
+                <a:ea typeface="Montserrat" panose="00000500000000000000"/>
+                <a:cs typeface="Montserrat" panose="00000500000000000000"/>
+                <a:sym typeface="Montserrat" panose="00000500000000000000"/>
               </a:defRPr>
             </a:lvl1pPr>
           </a:lstStyle>
@@ -10391,10 +10391,10 @@
                 <a:solidFill>
                   <a:srgbClr val="FFFFFF"/>
                 </a:solidFill>
-                <a:latin typeface="Montserrat"/>
-                <a:ea typeface="Montserrat"/>
-                <a:cs typeface="Montserrat"/>
-                <a:sym typeface="Montserrat"/>
+                <a:latin typeface="Montserrat" panose="00000500000000000000"/>
+                <a:ea typeface="Montserrat" panose="00000500000000000000"/>
+                <a:cs typeface="Montserrat" panose="00000500000000000000"/>
+                <a:sym typeface="Montserrat" panose="00000500000000000000"/>
               </a:defRPr>
             </a:lvl1pPr>
           </a:lstStyle>

--- a/BCI - Batch2 - Day12 - Webpack http server and production.pptx
+++ b/BCI - Batch2 - Day12 - Webpack http server and production.pptx
@@ -16,16 +16,20 @@
     <p:sldId id="1982" r:id="rId9"/>
     <p:sldId id="1983" r:id="rId10"/>
     <p:sldId id="1984" r:id="rId11"/>
-    <p:sldId id="1981" r:id="rId12"/>
-    <p:sldId id="1985" r:id="rId13"/>
-    <p:sldId id="1970" r:id="rId14"/>
-    <p:sldId id="1972" r:id="rId15"/>
-    <p:sldId id="1973" r:id="rId16"/>
-    <p:sldId id="1971" r:id="rId17"/>
-    <p:sldId id="1974" r:id="rId18"/>
-    <p:sldId id="1975" r:id="rId19"/>
-    <p:sldId id="1976" r:id="rId20"/>
-    <p:sldId id="1977" r:id="rId21"/>
+    <p:sldId id="1996" r:id="rId12"/>
+    <p:sldId id="1997" r:id="rId13"/>
+    <p:sldId id="1998" r:id="rId14"/>
+    <p:sldId id="1981" r:id="rId15"/>
+    <p:sldId id="1985" r:id="rId16"/>
+    <p:sldId id="1970" r:id="rId17"/>
+    <p:sldId id="1972" r:id="rId18"/>
+    <p:sldId id="1995" r:id="rId19"/>
+    <p:sldId id="1973" r:id="rId20"/>
+    <p:sldId id="1971" r:id="rId21"/>
+    <p:sldId id="1974" r:id="rId22"/>
+    <p:sldId id="1975" r:id="rId23"/>
+    <p:sldId id="1976" r:id="rId24"/>
+    <p:sldId id="1977" r:id="rId25"/>
   </p:sldIdLst>
   <p:sldSz cx="9144000" cy="6858000" type="screen4x3"/>
   <p:notesSz cx="7315200" cy="9601200"/>
@@ -481,6 +485,102 @@
 </file>
 
 <file path=ppt/notesSlides/notesSlide1.xml><?xml version="1.0" encoding="utf-8"?>
+<p:notes xmlns:a="http://schemas.openxmlformats.org/drawingml/2006/main" xmlns:r="http://schemas.openxmlformats.org/officeDocument/2006/relationships" xmlns:p="http://schemas.openxmlformats.org/presentationml/2006/main">
+  <p:cSld>
+    <p:spTree>
+      <p:nvGrpSpPr>
+        <p:cNvPr id="1" name=""/>
+        <p:cNvGrpSpPr/>
+        <p:nvPr/>
+      </p:nvGrpSpPr>
+      <p:grpSpPr>
+        <a:xfrm>
+          <a:off x="0" y="0"/>
+          <a:ext cx="0" cy="0"/>
+          <a:chOff x="0" y="0"/>
+          <a:chExt cx="0" cy="0"/>
+        </a:xfrm>
+      </p:grpSpPr>
+      <p:sp>
+        <p:nvSpPr>
+          <p:cNvPr id="22529" name="Slide Image Placeholder 1"/>
+          <p:cNvSpPr>
+            <a:spLocks noGrp="1" noRot="1" noChangeAspect="1"/>
+          </p:cNvSpPr>
+          <p:nvPr>
+            <p:ph type="sldImg"/>
+          </p:nvPr>
+        </p:nvSpPr>
+        <p:spPr/>
+      </p:sp>
+      <p:sp>
+        <p:nvSpPr>
+          <p:cNvPr id="22530" name="Notes Placeholder 2"/>
+          <p:cNvSpPr>
+            <a:spLocks noGrp="1"/>
+          </p:cNvSpPr>
+          <p:nvPr>
+            <p:ph type="body"/>
+          </p:nvPr>
+        </p:nvSpPr>
+        <p:spPr>
+          <a:noFill/>
+          <a:ln>
+            <a:noFill/>
+          </a:ln>
+        </p:spPr>
+        <p:txBody>
+          <a:bodyPr lIns="0" tIns="0" rIns="0" bIns="0" anchor="t"/>
+          <a:lstStyle/>
+          <a:p>
+            <a:pPr indent="-36195"/>
+            <a:endParaRPr lang="en-GB" altLang="zh-CN"/>
+          </a:p>
+        </p:txBody>
+      </p:sp>
+      <p:sp>
+        <p:nvSpPr>
+          <p:cNvPr id="22531" name="Slide Number Placeholder 3"/>
+          <p:cNvSpPr>
+            <a:spLocks noGrp="1"/>
+          </p:cNvSpPr>
+          <p:nvPr>
+            <p:ph type="sldNum" sz="quarter"/>
+          </p:nvPr>
+        </p:nvSpPr>
+        <p:spPr>
+          <a:xfrm>
+            <a:off x="5867400" y="8686800"/>
+            <a:ext cx="609600" cy="227013"/>
+          </a:xfrm>
+          <a:prstGeom prst="rect">
+            <a:avLst/>
+          </a:prstGeom>
+          <a:noFill/>
+          <a:ln w="9525">
+            <a:noFill/>
+          </a:ln>
+        </p:spPr>
+        <p:txBody>
+          <a:bodyPr lIns="0" tIns="0" rIns="0" bIns="0" anchor="ctr"/>
+          <a:lstStyle/>
+          <a:p>
+            <a:fld id="{9A0DB2DC-4C9A-4742-B13C-FB6460FD3503}" type="slidenum">
+              <a:rPr lang="en-GB" altLang="zh-CN" sz="900"/>
+            </a:fld>
+            <a:endParaRPr lang="en-GB" altLang="zh-CN" sz="900"/>
+          </a:p>
+        </p:txBody>
+      </p:sp>
+    </p:spTree>
+  </p:cSld>
+  <p:clrMapOvr>
+    <a:masterClrMapping/>
+  </p:clrMapOvr>
+</p:notes>
+</file>
+
+<file path=ppt/notesSlides/notesSlide10.xml><?xml version="1.0" encoding="utf-8"?>
 <p:notes xmlns:a="http://schemas.openxmlformats.org/drawingml/2006/main" xmlns:r="http://schemas.openxmlformats.org/officeDocument/2006/relationships" xmlns:p="http://schemas.openxmlformats.org/presentationml/2006/main">
   <p:cSld>
     <p:spTree>
@@ -8081,7 +8181,7 @@
                 <a:latin typeface="Calibri" panose="020F0502020204030204" pitchFamily="34" charset="0"/>
                 <a:cs typeface="Calibri" panose="020F0502020204030204" pitchFamily="34" charset="0"/>
               </a:rPr>
-              <a:t>Code Demo</a:t>
+              <a:t>What is Webpacks</a:t>
             </a:r>
             <a:endParaRPr lang="en-US" sz="3200" b="1" dirty="0">
               <a:latin typeface="Calibri" panose="020F0502020204030204" pitchFamily="34" charset="0"/>
@@ -8108,7 +8208,7 @@
         </p:spPr>
         <p:txBody>
           <a:bodyPr>
-            <a:normAutofit lnSpcReduction="10000"/>
+            <a:normAutofit/>
           </a:bodyPr>
           <a:lstStyle/>
           <a:p>
@@ -8120,21 +8220,81 @@
               <a:buChar char="•"/>
             </a:pPr>
             <a:r>
-              <a:rPr lang="en-US" altLang="en-US" sz="1540" dirty="0">
+              <a:rPr lang="en-US" altLang="en-US" sz="1800" dirty="0">
                 <a:solidFill>
                   <a:srgbClr val="262626"/>
                 </a:solidFill>
               </a:rPr>
-              <a:t>Dockernize Frontend and backend</a:t>
-            </a:r>
-            <a:endParaRPr lang="en-US" altLang="en-US" sz="1540" dirty="0">
+              <a:t>Handle JS</a:t>
+            </a:r>
+            <a:endParaRPr lang="en-US" altLang="en-US" sz="1800" dirty="0">
               <a:solidFill>
                 <a:srgbClr val="262626"/>
               </a:solidFill>
             </a:endParaRPr>
           </a:p>
-        </p:txBody>
-      </p:sp>
+          <a:p>
+            <a:pPr marL="228600" lvl="0" indent="-228600" defTabSz="342900">
+              <a:lnSpc>
+                <a:spcPct val="120000"/>
+              </a:lnSpc>
+              <a:buFont typeface="Arial" panose="020B0604020202020204" pitchFamily="34" charset="0"/>
+              <a:buChar char="•"/>
+            </a:pPr>
+            <a:r>
+              <a:rPr lang="en-US" altLang="en-US" sz="1800" dirty="0">
+                <a:solidFill>
+                  <a:srgbClr val="262626"/>
+                </a:solidFill>
+              </a:rPr>
+              <a:t>test - regular expressrion, to find satisfied files. use - load plugin</a:t>
+            </a:r>
+            <a:endParaRPr lang="en-US" altLang="en-US" sz="1800" dirty="0">
+              <a:solidFill>
+                <a:srgbClr val="262626"/>
+              </a:solidFill>
+            </a:endParaRPr>
+          </a:p>
+          <a:p>
+            <a:pPr marL="228600" lvl="0" indent="-228600" defTabSz="342900">
+              <a:lnSpc>
+                <a:spcPct val="120000"/>
+              </a:lnSpc>
+              <a:buFont typeface="Arial" panose="020B0604020202020204" pitchFamily="34" charset="0"/>
+              <a:buChar char="•"/>
+            </a:pPr>
+            <a:endParaRPr lang="en-US" altLang="en-US" sz="1800" dirty="0">
+              <a:solidFill>
+                <a:srgbClr val="262626"/>
+              </a:solidFill>
+            </a:endParaRPr>
+          </a:p>
+        </p:txBody>
+      </p:sp>
+      <p:pic>
+        <p:nvPicPr>
+          <p:cNvPr id="5" name="图片 4"/>
+          <p:cNvPicPr>
+            <a:picLocks noChangeAspect="1"/>
+          </p:cNvPicPr>
+          <p:nvPr/>
+        </p:nvPicPr>
+        <p:blipFill>
+          <a:blip r:embed="rId1"/>
+          <a:stretch>
+            <a:fillRect/>
+          </a:stretch>
+        </p:blipFill>
+        <p:spPr>
+          <a:xfrm>
+            <a:off x="721995" y="2278380"/>
+            <a:ext cx="5695950" cy="3514725"/>
+          </a:xfrm>
+          <a:prstGeom prst="rect">
+            <a:avLst/>
+          </a:prstGeom>
+        </p:spPr>
+      </p:pic>
     </p:spTree>
   </p:cSld>
   <p:clrMapOvr>
@@ -8162,7 +8322,7 @@
       </p:grpSpPr>
       <p:sp>
         <p:nvSpPr>
-          <p:cNvPr id="21505" name="Title 1"/>
+          <p:cNvPr id="2" name="Title 1"/>
           <p:cNvSpPr>
             <a:spLocks noGrp="1"/>
           </p:cNvSpPr>
@@ -8172,25 +8332,25 @@
         </p:nvSpPr>
         <p:spPr>
           <a:xfrm>
-            <a:off x="233363" y="308848"/>
-            <a:ext cx="8227219" cy="327422"/>
-          </a:xfrm>
-        </p:spPr>
-        <p:txBody>
-          <a:bodyPr vert="horz" lIns="0" tIns="0" rIns="0" bIns="0" rtlCol="0" anchor="ctr">
+            <a:off x="628650" y="155263"/>
+            <a:ext cx="7886700" cy="526790"/>
+          </a:xfrm>
+        </p:spPr>
+        <p:txBody>
+          <a:bodyPr>
             <a:normAutofit fontScale="90000"/>
           </a:bodyPr>
           <a:lstStyle/>
           <a:p>
             <a:pPr algn="ctr"/>
             <a:r>
-              <a:rPr lang="en-US" altLang="en-GB" sz="3200" b="1" dirty="0">
+              <a:rPr lang="en-US" sz="3200" b="1" dirty="0">
                 <a:latin typeface="Calibri" panose="020F0502020204030204" pitchFamily="34" charset="0"/>
                 <a:cs typeface="Calibri" panose="020F0502020204030204" pitchFamily="34" charset="0"/>
               </a:rPr>
-              <a:t>Apache</a:t>
-            </a:r>
-            <a:endParaRPr lang="en-US" altLang="en-GB" sz="3200" b="1" dirty="0">
+              <a:t>What is Webpacks</a:t>
+            </a:r>
+            <a:endParaRPr lang="en-US" sz="3200" b="1" dirty="0">
               <a:latin typeface="Calibri" panose="020F0502020204030204" pitchFamily="34" charset="0"/>
               <a:cs typeface="Calibri" panose="020F0502020204030204" pitchFamily="34" charset="0"/>
             </a:endParaRPr>
@@ -8199,173 +8359,114 @@
       </p:sp>
       <p:sp>
         <p:nvSpPr>
-          <p:cNvPr id="21506" name="文本框 6"/>
-          <p:cNvSpPr txBox="1"/>
+          <p:cNvPr id="3" name="Content Placeholder 2"/>
+          <p:cNvSpPr>
+            <a:spLocks noGrp="1"/>
+          </p:cNvSpPr>
+          <p:nvPr>
+            <p:ph idx="1"/>
+          </p:nvPr>
+        </p:nvSpPr>
+        <p:spPr>
+          <a:xfrm>
+            <a:off x="628650" y="989044"/>
+            <a:ext cx="7886700" cy="5605719"/>
+          </a:xfrm>
+        </p:spPr>
+        <p:txBody>
+          <a:bodyPr>
+            <a:normAutofit/>
+          </a:bodyPr>
+          <a:lstStyle/>
+          <a:p>
+            <a:pPr marL="228600" lvl="0" indent="-228600" defTabSz="342900">
+              <a:lnSpc>
+                <a:spcPct val="120000"/>
+              </a:lnSpc>
+              <a:buFont typeface="Arial" panose="020B0604020202020204" pitchFamily="34" charset="0"/>
+              <a:buChar char="•"/>
+            </a:pPr>
+            <a:r>
+              <a:rPr lang="en-US" altLang="en-US" sz="1800" dirty="0">
+                <a:solidFill>
+                  <a:srgbClr val="262626"/>
+                </a:solidFill>
+              </a:rPr>
+              <a:t>Handle JS</a:t>
+            </a:r>
+            <a:endParaRPr lang="en-US" altLang="en-US" sz="1800" dirty="0">
+              <a:solidFill>
+                <a:srgbClr val="262626"/>
+              </a:solidFill>
+            </a:endParaRPr>
+          </a:p>
+          <a:p>
+            <a:pPr marL="228600" lvl="0" indent="-228600" defTabSz="342900">
+              <a:lnSpc>
+                <a:spcPct val="120000"/>
+              </a:lnSpc>
+              <a:buFont typeface="Arial" panose="020B0604020202020204" pitchFamily="34" charset="0"/>
+              <a:buChar char="•"/>
+            </a:pPr>
+            <a:r>
+              <a:rPr lang="en-US" altLang="en-US" sz="1800" dirty="0">
+                <a:solidFill>
+                  <a:srgbClr val="262626"/>
+                </a:solidFill>
+              </a:rPr>
+              <a:t>test - regular expressrion, to find satisfied files. use - load plugin</a:t>
+            </a:r>
+            <a:endParaRPr lang="en-US" altLang="en-US" sz="1800" dirty="0">
+              <a:solidFill>
+                <a:srgbClr val="262626"/>
+              </a:solidFill>
+            </a:endParaRPr>
+          </a:p>
+          <a:p>
+            <a:pPr marL="228600" lvl="0" indent="-228600" defTabSz="342900">
+              <a:lnSpc>
+                <a:spcPct val="120000"/>
+              </a:lnSpc>
+              <a:buFont typeface="Arial" panose="020B0604020202020204" pitchFamily="34" charset="0"/>
+              <a:buChar char="•"/>
+            </a:pPr>
+            <a:endParaRPr lang="en-US" altLang="en-US" sz="1800" dirty="0">
+              <a:solidFill>
+                <a:srgbClr val="262626"/>
+              </a:solidFill>
+            </a:endParaRPr>
+          </a:p>
+        </p:txBody>
+      </p:sp>
+      <p:pic>
+        <p:nvPicPr>
+          <p:cNvPr id="6" name="图片 5"/>
+          <p:cNvPicPr>
+            <a:picLocks noChangeAspect="1"/>
+          </p:cNvPicPr>
           <p:nvPr/>
-        </p:nvSpPr>
-        <p:spPr>
-          <a:xfrm>
-            <a:off x="246455" y="859156"/>
-            <a:ext cx="8651359" cy="5486400"/>
+        </p:nvPicPr>
+        <p:blipFill>
+          <a:blip r:embed="rId1"/>
+          <a:stretch>
+            <a:fillRect/>
+          </a:stretch>
+        </p:blipFill>
+        <p:spPr>
+          <a:xfrm>
+            <a:off x="628650" y="2430145"/>
+            <a:ext cx="5429250" cy="2724150"/>
           </a:xfrm>
           <a:prstGeom prst="rect">
             <a:avLst/>
           </a:prstGeom>
-          <a:noFill/>
-          <a:ln w="9525">
-            <a:noFill/>
-          </a:ln>
-        </p:spPr>
-        <p:txBody>
-          <a:bodyPr wrap="square" lIns="0" tIns="0" rIns="0" bIns="0" anchor="t"/>
-          <a:lstStyle/>
-          <a:p>
-            <a:pPr marL="171450" lvl="0" indent="-171450" fontAlgn="auto">
-              <a:lnSpc>
-                <a:spcPct val="200000"/>
-              </a:lnSpc>
-              <a:spcBef>
-                <a:spcPts val="700"/>
-              </a:spcBef>
-              <a:buFont typeface="Arial" panose="020B0604020202020204" pitchFamily="34" charset="0"/>
-              <a:buChar char="•"/>
-            </a:pPr>
-            <a:r>
-              <a:rPr lang="en-US" dirty="0"/>
-              <a:t>What is Apache and a Web Server?</a:t>
-            </a:r>
-            <a:endParaRPr lang="en-US" dirty="0"/>
-          </a:p>
-          <a:p>
-            <a:pPr marL="171450" lvl="0" indent="-171450" fontAlgn="auto">
-              <a:lnSpc>
-                <a:spcPct val="200000"/>
-              </a:lnSpc>
-              <a:spcBef>
-                <a:spcPts val="700"/>
-              </a:spcBef>
-              <a:buFont typeface="Arial" panose="020B0604020202020204" pitchFamily="34" charset="0"/>
-              <a:buChar char="•"/>
-            </a:pPr>
-            <a:r>
-              <a:rPr lang="zh-CN" altLang="en-US" dirty="0"/>
-              <a:t> </a:t>
-            </a:r>
-            <a:r>
-              <a:rPr lang="en-US" altLang="zh-CN" dirty="0"/>
-              <a:t>Apache is a web server software. T</a:t>
-            </a:r>
-            <a:r>
-              <a:rPr lang="zh-CN" altLang="en-US" dirty="0"/>
-              <a:t>he web server checks for the web page you have requested and fetches it for your viewing pleasure. However, A web server is not just your host but also your server. Once it has found the web page you requested, it also serves you the web page</a:t>
-            </a:r>
-            <a:endParaRPr lang="en-US" altLang="zh-CN" dirty="0"/>
-          </a:p>
-        </p:txBody>
-      </p:sp>
-      <p:sp>
-        <p:nvSpPr>
-          <p:cNvPr id="6" name="TextBox 6"/>
-          <p:cNvSpPr txBox="1"/>
-          <p:nvPr/>
-        </p:nvSpPr>
-        <p:spPr>
-          <a:xfrm>
-            <a:off x="25183" y="6636420"/>
-            <a:ext cx="3270445" cy="184664"/>
-          </a:xfrm>
-          <a:prstGeom prst="rect">
-            <a:avLst/>
-          </a:prstGeom>
-          <a:ln w="12700">
-            <a:miter lim="400000"/>
-          </a:ln>
-        </p:spPr>
-        <p:txBody>
-          <a:bodyPr wrap="none" lIns="34289" tIns="34289" rIns="34289" bIns="34289">
-            <a:spAutoFit/>
-          </a:bodyPr>
-          <a:lstStyle>
-            <a:lvl1pPr defTabSz="914400">
-              <a:defRPr sz="1000">
-                <a:solidFill>
-                  <a:srgbClr val="FFFFFF"/>
-                </a:solidFill>
-                <a:latin typeface="Montserrat" panose="00000500000000000000"/>
-                <a:ea typeface="Montserrat" panose="00000500000000000000"/>
-                <a:cs typeface="Montserrat" panose="00000500000000000000"/>
-                <a:sym typeface="Montserrat" panose="00000500000000000000"/>
-              </a:defRPr>
-            </a:lvl1pPr>
-          </a:lstStyle>
-          <a:p>
-            <a:r>
-              <a:rPr lang="en-US" sz="750" dirty="0">
-                <a:solidFill>
-                  <a:schemeClr val="tx1"/>
-                </a:solidFill>
-                <a:latin typeface="Montserrat" panose="00000500000000000000" pitchFamily="2" charset="0"/>
-              </a:rPr>
-              <a:t>© 2017-2020    SmartMesh Foundation Pte. Ltd.  |  MeshBox Foundation Pte. Ltd.</a:t>
-            </a:r>
-            <a:endParaRPr lang="en-US" sz="750" dirty="0">
-              <a:solidFill>
-                <a:schemeClr val="tx1"/>
-              </a:solidFill>
-              <a:latin typeface="Montserrat" panose="00000500000000000000" pitchFamily="2" charset="0"/>
-              <a:sym typeface="Arial" panose="020B0604020202020204"/>
-            </a:endParaRPr>
-          </a:p>
-        </p:txBody>
-      </p:sp>
-      <p:sp>
-        <p:nvSpPr>
-          <p:cNvPr id="7" name="TextBox 6"/>
-          <p:cNvSpPr txBox="1">
-            <a:spLocks noChangeArrowheads="1"/>
-          </p:cNvSpPr>
-          <p:nvPr/>
-        </p:nvSpPr>
-        <p:spPr bwMode="auto">
-          <a:xfrm>
-            <a:off x="7872314" y="6569155"/>
-            <a:ext cx="1289447" cy="253916"/>
-          </a:xfrm>
-          <a:prstGeom prst="rect">
-            <a:avLst/>
-          </a:prstGeom>
-          <a:noFill/>
-          <a:ln w="9525">
-            <a:noFill/>
-            <a:miter lim="800000"/>
-          </a:ln>
-        </p:spPr>
-        <p:txBody>
-          <a:bodyPr>
-            <a:spAutoFit/>
-          </a:bodyPr>
-          <a:lstStyle/>
-          <a:p>
-            <a:pPr algn="r"/>
-            <a:fld id="{6F888031-CE6A-4173-BB2B-520974F34056}" type="slidenum">
-              <a:rPr lang="en-GB" sz="1050">
-                <a:latin typeface="Calibri" panose="020F0502020204030204" pitchFamily="34" charset="0"/>
-              </a:rPr>
-            </a:fld>
-            <a:endParaRPr lang="en-GB" sz="1050" dirty="0">
-              <a:latin typeface="Calibri" panose="020F0502020204030204" pitchFamily="34" charset="0"/>
-            </a:endParaRPr>
-          </a:p>
-        </p:txBody>
-      </p:sp>
+        </p:spPr>
+      </p:pic>
     </p:spTree>
   </p:cSld>
   <p:clrMapOvr>
     <a:masterClrMapping/>
   </p:clrMapOvr>
-  <p:transition spd="med">
-    <p:fade/>
-  </p:transition>
 </p:sld>
 </file>
 
@@ -8388,7 +8489,7 @@
       </p:grpSpPr>
       <p:sp>
         <p:nvSpPr>
-          <p:cNvPr id="21505" name="Title 1"/>
+          <p:cNvPr id="2" name="Title 1"/>
           <p:cNvSpPr>
             <a:spLocks noGrp="1"/>
           </p:cNvSpPr>
@@ -8398,25 +8499,25 @@
         </p:nvSpPr>
         <p:spPr>
           <a:xfrm>
-            <a:off x="233363" y="308848"/>
-            <a:ext cx="8227219" cy="327422"/>
-          </a:xfrm>
-        </p:spPr>
-        <p:txBody>
-          <a:bodyPr vert="horz" lIns="0" tIns="0" rIns="0" bIns="0" rtlCol="0" anchor="ctr">
+            <a:off x="628650" y="155263"/>
+            <a:ext cx="7886700" cy="526790"/>
+          </a:xfrm>
+        </p:spPr>
+        <p:txBody>
+          <a:bodyPr>
             <a:normAutofit fontScale="90000"/>
           </a:bodyPr>
           <a:lstStyle/>
           <a:p>
             <a:pPr algn="ctr"/>
             <a:r>
-              <a:rPr lang="en-US" altLang="en-GB" sz="3200" b="1" dirty="0">
+              <a:rPr lang="en-US" sz="3200" b="1" dirty="0">
                 <a:latin typeface="Calibri" panose="020F0502020204030204" pitchFamily="34" charset="0"/>
                 <a:cs typeface="Calibri" panose="020F0502020204030204" pitchFamily="34" charset="0"/>
               </a:rPr>
-              <a:t>Apache</a:t>
-            </a:r>
-            <a:endParaRPr lang="en-US" altLang="en-GB" sz="3200" b="1" dirty="0">
+              <a:t>Compile the frontend</a:t>
+            </a:r>
+            <a:endParaRPr lang="en-US" sz="3200" b="1" dirty="0">
               <a:latin typeface="Calibri" panose="020F0502020204030204" pitchFamily="34" charset="0"/>
               <a:cs typeface="Calibri" panose="020F0502020204030204" pitchFamily="34" charset="0"/>
             </a:endParaRPr>
@@ -8425,197 +8526,127 @@
       </p:sp>
       <p:sp>
         <p:nvSpPr>
-          <p:cNvPr id="21506" name="文本框 6"/>
-          <p:cNvSpPr txBox="1"/>
-          <p:nvPr/>
-        </p:nvSpPr>
-        <p:spPr>
-          <a:xfrm>
-            <a:off x="233755" y="859156"/>
-            <a:ext cx="8651359" cy="5486400"/>
-          </a:xfrm>
-          <a:prstGeom prst="rect">
-            <a:avLst/>
-          </a:prstGeom>
-          <a:noFill/>
-          <a:ln w="9525">
-            <a:noFill/>
-          </a:ln>
-        </p:spPr>
-        <p:txBody>
-          <a:bodyPr wrap="square" lIns="0" tIns="0" rIns="0" bIns="0" anchor="t"/>
+          <p:cNvPr id="3" name="Content Placeholder 2"/>
+          <p:cNvSpPr>
+            <a:spLocks noGrp="1"/>
+          </p:cNvSpPr>
+          <p:nvPr>
+            <p:ph idx="1"/>
+          </p:nvPr>
+        </p:nvSpPr>
+        <p:spPr>
+          <a:xfrm>
+            <a:off x="628650" y="989044"/>
+            <a:ext cx="7886700" cy="5605719"/>
+          </a:xfrm>
+        </p:spPr>
+        <p:txBody>
+          <a:bodyPr>
+            <a:normAutofit lnSpcReduction="10000"/>
+          </a:bodyPr>
           <a:lstStyle/>
           <a:p>
-            <a:pPr marL="171450" lvl="0" indent="-171450" fontAlgn="auto">
+            <a:pPr marL="228600" lvl="0" indent="-228600" defTabSz="342900">
               <a:lnSpc>
-                <a:spcPct val="200000"/>
+                <a:spcPct val="120000"/>
               </a:lnSpc>
-              <a:spcBef>
-                <a:spcPts val="700"/>
-              </a:spcBef>
               <a:buFont typeface="Arial" panose="020B0604020202020204" pitchFamily="34" charset="0"/>
               <a:buChar char="•"/>
             </a:pPr>
             <a:r>
-              <a:rPr lang="en-US" altLang="zh-CN" dirty="0"/>
-              <a:t>XAMPP (</a:t>
-            </a:r>
-            <a:r>
-              <a:rPr lang="en-US" altLang="zh-CN" dirty="0">
+              <a:rPr lang="en-US" altLang="en-US" sz="1540" dirty="0">
                 <a:solidFill>
-                  <a:srgbClr val="FF0000"/>
+                  <a:srgbClr val="262626"/>
                 </a:solidFill>
               </a:rPr>
-              <a:t>explain the folder structure</a:t>
-            </a:r>
-            <a:r>
-              <a:rPr lang="en-US" altLang="zh-CN" dirty="0"/>
-              <a:t>)</a:t>
-            </a:r>
-            <a:endParaRPr lang="en-US" altLang="zh-CN" dirty="0"/>
-          </a:p>
-          <a:p>
-            <a:pPr marL="171450" lvl="0" indent="-171450" fontAlgn="auto">
+              <a:t>Webpack vs Pracel vs react build etc</a:t>
+            </a:r>
+            <a:endParaRPr lang="en-US" altLang="en-US" sz="1540" dirty="0">
+              <a:solidFill>
+                <a:srgbClr val="262626"/>
+              </a:solidFill>
+            </a:endParaRPr>
+          </a:p>
+          <a:p>
+            <a:pPr marL="228600" lvl="0" indent="-228600" defTabSz="342900">
               <a:lnSpc>
-                <a:spcPct val="200000"/>
+                <a:spcPct val="120000"/>
               </a:lnSpc>
-              <a:spcBef>
-                <a:spcPts val="700"/>
-              </a:spcBef>
               <a:buFont typeface="Arial" panose="020B0604020202020204" pitchFamily="34" charset="0"/>
               <a:buChar char="•"/>
             </a:pPr>
-            <a:endParaRPr lang="en-US" altLang="zh-CN" dirty="0"/>
-          </a:p>
-        </p:txBody>
-      </p:sp>
-      <p:sp>
-        <p:nvSpPr>
-          <p:cNvPr id="6" name="TextBox 6"/>
-          <p:cNvSpPr txBox="1"/>
-          <p:nvPr/>
-        </p:nvSpPr>
-        <p:spPr>
-          <a:xfrm>
-            <a:off x="25183" y="6636420"/>
-            <a:ext cx="3270445" cy="184664"/>
-          </a:xfrm>
-          <a:prstGeom prst="rect">
-            <a:avLst/>
-          </a:prstGeom>
-          <a:ln w="12700">
-            <a:miter lim="400000"/>
-          </a:ln>
-        </p:spPr>
-        <p:txBody>
-          <a:bodyPr wrap="none" lIns="34289" tIns="34289" rIns="34289" bIns="34289">
-            <a:spAutoFit/>
-          </a:bodyPr>
-          <a:lstStyle>
-            <a:lvl1pPr defTabSz="914400">
-              <a:defRPr sz="1000">
+            <a:endParaRPr lang="en-US" altLang="en-US" sz="1540" dirty="0">
+              <a:solidFill>
+                <a:srgbClr val="262626"/>
+              </a:solidFill>
+            </a:endParaRPr>
+          </a:p>
+          <a:p>
+            <a:pPr marL="228600" lvl="0" indent="-228600" defTabSz="342900">
+              <a:lnSpc>
+                <a:spcPct val="120000"/>
+              </a:lnSpc>
+              <a:buFont typeface="Arial" panose="020B0604020202020204" pitchFamily="34" charset="0"/>
+              <a:buChar char="•"/>
+            </a:pPr>
+            <a:r>
+              <a:rPr lang="en-US" altLang="en-US" sz="1540" dirty="0">
                 <a:solidFill>
-                  <a:srgbClr val="FFFFFF"/>
+                  <a:srgbClr val="262626"/>
                 </a:solidFill>
-                <a:latin typeface="Montserrat" panose="00000500000000000000"/>
-                <a:ea typeface="Montserrat" panose="00000500000000000000"/>
-                <a:cs typeface="Montserrat" panose="00000500000000000000"/>
-                <a:sym typeface="Montserrat" panose="00000500000000000000"/>
-              </a:defRPr>
-            </a:lvl1pPr>
-          </a:lstStyle>
-          <a:p>
-            <a:r>
-              <a:rPr lang="en-US" sz="750" dirty="0">
+              </a:rPr>
+              <a:t>react-scripts hides all of the webpack configs behind the scenes.</a:t>
+            </a:r>
+            <a:endParaRPr lang="en-US" altLang="en-US" sz="1540" dirty="0">
+              <a:solidFill>
+                <a:srgbClr val="262626"/>
+              </a:solidFill>
+            </a:endParaRPr>
+          </a:p>
+          <a:p>
+            <a:pPr marL="228600" lvl="0" indent="-228600" defTabSz="342900">
+              <a:lnSpc>
+                <a:spcPct val="120000"/>
+              </a:lnSpc>
+              <a:buFont typeface="Arial" panose="020B0604020202020204" pitchFamily="34" charset="0"/>
+              <a:buChar char="•"/>
+            </a:pPr>
+            <a:endParaRPr lang="en-US" altLang="en-US" sz="1540" dirty="0">
+              <a:solidFill>
+                <a:srgbClr val="262626"/>
+              </a:solidFill>
+            </a:endParaRPr>
+          </a:p>
+          <a:p>
+            <a:pPr marL="228600" lvl="0" indent="-228600" defTabSz="342900">
+              <a:lnSpc>
+                <a:spcPct val="120000"/>
+              </a:lnSpc>
+              <a:buFont typeface="Arial" panose="020B0604020202020204" pitchFamily="34" charset="0"/>
+              <a:buChar char="•"/>
+            </a:pPr>
+            <a:r>
+              <a:rPr lang="en-US" altLang="en-US" sz="1535" dirty="0">
                 <a:solidFill>
-                  <a:schemeClr val="tx1"/>
+                  <a:srgbClr val="262626"/>
                 </a:solidFill>
-                <a:latin typeface="Montserrat" panose="00000500000000000000" pitchFamily="2" charset="0"/>
+                <a:sym typeface="+mn-ea"/>
               </a:rPr>
-              <a:t>© 2017-2020    SmartMesh Foundation Pte. Ltd.  |  MeshBox Foundation Pte. Ltd.</a:t>
-            </a:r>
-            <a:endParaRPr lang="en-US" sz="750" dirty="0">
+              <a:t>Pracel cannot do code splitting</a:t>
+            </a:r>
+            <a:endParaRPr lang="en-US" altLang="en-US" sz="1540" dirty="0">
               <a:solidFill>
-                <a:schemeClr val="tx1"/>
+                <a:srgbClr val="262626"/>
               </a:solidFill>
-              <a:latin typeface="Montserrat" panose="00000500000000000000" pitchFamily="2" charset="0"/>
-              <a:sym typeface="Arial" panose="020B0604020202020204"/>
             </a:endParaRPr>
           </a:p>
         </p:txBody>
       </p:sp>
-      <p:sp>
-        <p:nvSpPr>
-          <p:cNvPr id="7" name="TextBox 6"/>
-          <p:cNvSpPr txBox="1">
-            <a:spLocks noChangeArrowheads="1"/>
-          </p:cNvSpPr>
-          <p:nvPr/>
-        </p:nvSpPr>
-        <p:spPr bwMode="auto">
-          <a:xfrm>
-            <a:off x="7872314" y="6569155"/>
-            <a:ext cx="1289447" cy="253916"/>
-          </a:xfrm>
-          <a:prstGeom prst="rect">
-            <a:avLst/>
-          </a:prstGeom>
-          <a:noFill/>
-          <a:ln w="9525">
-            <a:noFill/>
-            <a:miter lim="800000"/>
-          </a:ln>
-        </p:spPr>
-        <p:txBody>
-          <a:bodyPr>
-            <a:spAutoFit/>
-          </a:bodyPr>
-          <a:lstStyle/>
-          <a:p>
-            <a:pPr algn="r"/>
-            <a:fld id="{6F888031-CE6A-4173-BB2B-520974F34056}" type="slidenum">
-              <a:rPr lang="en-GB" sz="1050">
-                <a:latin typeface="Calibri" panose="020F0502020204030204" pitchFamily="34" charset="0"/>
-              </a:rPr>
-            </a:fld>
-            <a:endParaRPr lang="en-GB" sz="1050" dirty="0">
-              <a:latin typeface="Calibri" panose="020F0502020204030204" pitchFamily="34" charset="0"/>
-            </a:endParaRPr>
-          </a:p>
-        </p:txBody>
-      </p:sp>
-      <p:pic>
-        <p:nvPicPr>
-          <p:cNvPr id="2" name="图片 1"/>
-          <p:cNvPicPr>
-            <a:picLocks noChangeAspect="1"/>
-          </p:cNvPicPr>
-          <p:nvPr/>
-        </p:nvPicPr>
-        <p:blipFill>
-          <a:blip r:embed="rId1"/>
-          <a:stretch>
-            <a:fillRect/>
-          </a:stretch>
-        </p:blipFill>
-        <p:spPr>
-          <a:xfrm>
-            <a:off x="246380" y="1879600"/>
-            <a:ext cx="4914900" cy="4114800"/>
-          </a:xfrm>
-          <a:prstGeom prst="rect">
-            <a:avLst/>
-          </a:prstGeom>
-        </p:spPr>
-      </p:pic>
     </p:spTree>
   </p:cSld>
   <p:clrMapOvr>
     <a:masterClrMapping/>
   </p:clrMapOvr>
-  <p:transition spd="med">
-    <p:fade/>
-  </p:transition>
 </p:sld>
 </file>
 
@@ -8638,7 +8669,7 @@
       </p:grpSpPr>
       <p:sp>
         <p:nvSpPr>
-          <p:cNvPr id="21505" name="Title 1"/>
+          <p:cNvPr id="2" name="Title 1"/>
           <p:cNvSpPr>
             <a:spLocks noGrp="1"/>
           </p:cNvSpPr>
@@ -8648,25 +8679,25 @@
         </p:nvSpPr>
         <p:spPr>
           <a:xfrm>
-            <a:off x="233363" y="308848"/>
-            <a:ext cx="8227219" cy="327422"/>
-          </a:xfrm>
-        </p:spPr>
-        <p:txBody>
-          <a:bodyPr vert="horz" lIns="0" tIns="0" rIns="0" bIns="0" rtlCol="0" anchor="ctr">
+            <a:off x="628650" y="155263"/>
+            <a:ext cx="7886700" cy="526790"/>
+          </a:xfrm>
+        </p:spPr>
+        <p:txBody>
+          <a:bodyPr>
             <a:normAutofit fontScale="90000"/>
           </a:bodyPr>
           <a:lstStyle/>
           <a:p>
             <a:pPr algn="ctr"/>
             <a:r>
-              <a:rPr lang="en-US" altLang="en-GB" sz="3200" b="1" dirty="0">
+              <a:rPr lang="en-US" sz="3200" b="1" dirty="0">
                 <a:latin typeface="Calibri" panose="020F0502020204030204" pitchFamily="34" charset="0"/>
                 <a:cs typeface="Calibri" panose="020F0502020204030204" pitchFamily="34" charset="0"/>
               </a:rPr>
-              <a:t>Apache</a:t>
-            </a:r>
-            <a:endParaRPr lang="en-US" altLang="en-GB" sz="3200" b="1" dirty="0">
+              <a:t>Code Demo</a:t>
+            </a:r>
+            <a:endParaRPr lang="en-US" sz="3200" b="1" dirty="0">
               <a:latin typeface="Calibri" panose="020F0502020204030204" pitchFamily="34" charset="0"/>
               <a:cs typeface="Calibri" panose="020F0502020204030204" pitchFamily="34" charset="0"/>
             </a:endParaRPr>
@@ -8675,209 +8706,98 @@
       </p:sp>
       <p:sp>
         <p:nvSpPr>
-          <p:cNvPr id="21506" name="文本框 6"/>
-          <p:cNvSpPr txBox="1"/>
-          <p:nvPr/>
-        </p:nvSpPr>
-        <p:spPr>
-          <a:xfrm>
-            <a:off x="246455" y="859156"/>
-            <a:ext cx="8651359" cy="5486400"/>
-          </a:xfrm>
-          <a:prstGeom prst="rect">
-            <a:avLst/>
-          </a:prstGeom>
-          <a:noFill/>
-          <a:ln w="9525">
-            <a:noFill/>
-          </a:ln>
-        </p:spPr>
-        <p:txBody>
-          <a:bodyPr wrap="square" lIns="0" tIns="0" rIns="0" bIns="0" anchor="t"/>
+          <p:cNvPr id="3" name="Content Placeholder 2"/>
+          <p:cNvSpPr>
+            <a:spLocks noGrp="1"/>
+          </p:cNvSpPr>
+          <p:nvPr>
+            <p:ph idx="1"/>
+          </p:nvPr>
+        </p:nvSpPr>
+        <p:spPr>
+          <a:xfrm>
+            <a:off x="628650" y="989044"/>
+            <a:ext cx="7886700" cy="5605719"/>
+          </a:xfrm>
+        </p:spPr>
+        <p:txBody>
+          <a:bodyPr>
+            <a:normAutofit lnSpcReduction="10000"/>
+          </a:bodyPr>
           <a:lstStyle/>
           <a:p>
-            <a:pPr marL="171450" lvl="0" indent="-171450" fontAlgn="auto">
+            <a:pPr marL="228600" lvl="0" indent="-228600" defTabSz="342900">
               <a:lnSpc>
-                <a:spcPct val="200000"/>
+                <a:spcPct val="120000"/>
               </a:lnSpc>
-              <a:spcBef>
-                <a:spcPts val="700"/>
-              </a:spcBef>
               <a:buFont typeface="Arial" panose="020B0604020202020204" pitchFamily="34" charset="0"/>
               <a:buChar char="•"/>
             </a:pPr>
             <a:r>
-              <a:rPr lang="en-US" altLang="zh-CN" dirty="0"/>
-              <a:t>XAMPP: Host muliple websites</a:t>
-            </a:r>
-            <a:endParaRPr lang="en-US" altLang="zh-CN" dirty="0"/>
-          </a:p>
-          <a:p>
-            <a:pPr marL="171450" lvl="0" indent="-171450" fontAlgn="auto">
+              <a:rPr lang="en-US" altLang="en-US" sz="1540" dirty="0">
+                <a:solidFill>
+                  <a:srgbClr val="262626"/>
+                </a:solidFill>
+              </a:rPr>
+              <a:t>Webpack compile api application</a:t>
+            </a:r>
+            <a:endParaRPr lang="en-US" altLang="en-US" sz="1540" dirty="0">
+              <a:solidFill>
+                <a:srgbClr val="262626"/>
+              </a:solidFill>
+            </a:endParaRPr>
+          </a:p>
+          <a:p>
+            <a:pPr marL="228600" lvl="0" indent="-228600" defTabSz="342900">
               <a:lnSpc>
-                <a:spcPct val="200000"/>
+                <a:spcPct val="120000"/>
               </a:lnSpc>
-              <a:spcBef>
-                <a:spcPts val="700"/>
-              </a:spcBef>
               <a:buFont typeface="Arial" panose="020B0604020202020204" pitchFamily="34" charset="0"/>
               <a:buChar char="•"/>
             </a:pPr>
-            <a:endParaRPr lang="en-US" altLang="zh-CN" dirty="0"/>
-          </a:p>
-        </p:txBody>
-      </p:sp>
-      <p:sp>
-        <p:nvSpPr>
-          <p:cNvPr id="6" name="TextBox 6"/>
-          <p:cNvSpPr txBox="1"/>
-          <p:nvPr/>
-        </p:nvSpPr>
-        <p:spPr>
-          <a:xfrm>
-            <a:off x="25183" y="6636420"/>
-            <a:ext cx="3270445" cy="184664"/>
-          </a:xfrm>
-          <a:prstGeom prst="rect">
-            <a:avLst/>
-          </a:prstGeom>
-          <a:ln w="12700">
-            <a:miter lim="400000"/>
-          </a:ln>
-        </p:spPr>
-        <p:txBody>
-          <a:bodyPr wrap="none" lIns="34289" tIns="34289" rIns="34289" bIns="34289">
-            <a:spAutoFit/>
-          </a:bodyPr>
-          <a:lstStyle>
-            <a:lvl1pPr defTabSz="914400">
-              <a:defRPr sz="1000">
+            <a:r>
+              <a:rPr lang="en-US" altLang="en-US" sz="1540" dirty="0">
                 <a:solidFill>
-                  <a:srgbClr val="FFFFFF"/>
+                  <a:srgbClr val="262626"/>
                 </a:solidFill>
-                <a:latin typeface="Montserrat" panose="00000500000000000000"/>
-                <a:ea typeface="Montserrat" panose="00000500000000000000"/>
-                <a:cs typeface="Montserrat" panose="00000500000000000000"/>
-                <a:sym typeface="Montserrat" panose="00000500000000000000"/>
-              </a:defRPr>
-            </a:lvl1pPr>
-          </a:lstStyle>
-          <a:p>
-            <a:r>
-              <a:rPr lang="en-US" sz="750" dirty="0">
+              </a:rPr>
+              <a:t>use pm2 to host the whole application</a:t>
+            </a:r>
+            <a:endParaRPr lang="en-US" altLang="en-US" sz="1540" dirty="0">
+              <a:solidFill>
+                <a:srgbClr val="262626"/>
+              </a:solidFill>
+            </a:endParaRPr>
+          </a:p>
+          <a:p>
+            <a:pPr marL="228600" lvl="0" indent="-228600" defTabSz="342900">
+              <a:lnSpc>
+                <a:spcPct val="120000"/>
+              </a:lnSpc>
+              <a:buFont typeface="Arial" panose="020B0604020202020204" pitchFamily="34" charset="0"/>
+              <a:buChar char="•"/>
+            </a:pPr>
+            <a:r>
+              <a:rPr lang="en-US" altLang="en-US" sz="1540" dirty="0">
                 <a:solidFill>
-                  <a:schemeClr val="tx1"/>
+                  <a:srgbClr val="262626"/>
                 </a:solidFill>
-                <a:latin typeface="Montserrat" panose="00000500000000000000" pitchFamily="2" charset="0"/>
               </a:rPr>
-              <a:t>© 2017-2020    SmartMesh Foundation Pte. Ltd.  |  MeshBox Foundation Pte. Ltd.</a:t>
-            </a:r>
-            <a:endParaRPr lang="en-US" sz="750" dirty="0">
+              <a:t>Dockernize Frontend and backend</a:t>
+            </a:r>
+            <a:endParaRPr lang="en-US" altLang="en-US" sz="1540" dirty="0">
               <a:solidFill>
-                <a:schemeClr val="tx1"/>
+                <a:srgbClr val="262626"/>
               </a:solidFill>
-              <a:latin typeface="Montserrat" panose="00000500000000000000" pitchFamily="2" charset="0"/>
-              <a:sym typeface="Arial" panose="020B0604020202020204"/>
             </a:endParaRPr>
           </a:p>
         </p:txBody>
       </p:sp>
-      <p:sp>
-        <p:nvSpPr>
-          <p:cNvPr id="7" name="TextBox 6"/>
-          <p:cNvSpPr txBox="1">
-            <a:spLocks noChangeArrowheads="1"/>
-          </p:cNvSpPr>
-          <p:nvPr/>
-        </p:nvSpPr>
-        <p:spPr bwMode="auto">
-          <a:xfrm>
-            <a:off x="7872314" y="6569155"/>
-            <a:ext cx="1289447" cy="253916"/>
-          </a:xfrm>
-          <a:prstGeom prst="rect">
-            <a:avLst/>
-          </a:prstGeom>
-          <a:noFill/>
-          <a:ln w="9525">
-            <a:noFill/>
-            <a:miter lim="800000"/>
-          </a:ln>
-        </p:spPr>
-        <p:txBody>
-          <a:bodyPr>
-            <a:spAutoFit/>
-          </a:bodyPr>
-          <a:lstStyle/>
-          <a:p>
-            <a:pPr algn="r"/>
-            <a:fld id="{6F888031-CE6A-4173-BB2B-520974F34056}" type="slidenum">
-              <a:rPr lang="en-GB" sz="1050">
-                <a:latin typeface="Calibri" panose="020F0502020204030204" pitchFamily="34" charset="0"/>
-              </a:rPr>
-            </a:fld>
-            <a:endParaRPr lang="en-GB" sz="1050" dirty="0">
-              <a:latin typeface="Calibri" panose="020F0502020204030204" pitchFamily="34" charset="0"/>
-            </a:endParaRPr>
-          </a:p>
-        </p:txBody>
-      </p:sp>
-      <p:pic>
-        <p:nvPicPr>
-          <p:cNvPr id="3" name="图片 2"/>
-          <p:cNvPicPr>
-            <a:picLocks noChangeAspect="1"/>
-          </p:cNvPicPr>
-          <p:nvPr/>
-        </p:nvPicPr>
-        <p:blipFill>
-          <a:blip r:embed="rId1"/>
-          <a:stretch>
-            <a:fillRect/>
-          </a:stretch>
-        </p:blipFill>
-        <p:spPr>
-          <a:xfrm>
-            <a:off x="246380" y="1651635"/>
-            <a:ext cx="4629150" cy="2114550"/>
-          </a:xfrm>
-          <a:prstGeom prst="rect">
-            <a:avLst/>
-          </a:prstGeom>
-        </p:spPr>
-      </p:pic>
-      <p:pic>
-        <p:nvPicPr>
-          <p:cNvPr id="4" name="图片 3"/>
-          <p:cNvPicPr>
-            <a:picLocks noChangeAspect="1"/>
-          </p:cNvPicPr>
-          <p:nvPr/>
-        </p:nvPicPr>
-        <p:blipFill>
-          <a:blip r:embed="rId2"/>
-          <a:stretch>
-            <a:fillRect/>
-          </a:stretch>
-        </p:blipFill>
-        <p:spPr>
-          <a:xfrm>
-            <a:off x="233680" y="4196080"/>
-            <a:ext cx="4829175" cy="2009775"/>
-          </a:xfrm>
-          <a:prstGeom prst="rect">
-            <a:avLst/>
-          </a:prstGeom>
-        </p:spPr>
-      </p:pic>
     </p:spTree>
   </p:cSld>
   <p:clrMapOvr>
     <a:masterClrMapping/>
   </p:clrMapOvr>
-  <p:transition spd="med">
-    <p:fade/>
-  </p:transition>
 </p:sld>
 </file>
 
@@ -8926,7 +8846,7 @@
                 <a:latin typeface="Calibri" panose="020F0502020204030204" pitchFamily="34" charset="0"/>
                 <a:cs typeface="Calibri" panose="020F0502020204030204" pitchFamily="34" charset="0"/>
               </a:rPr>
-              <a:t>Nginx</a:t>
+              <a:t>Apache</a:t>
             </a:r>
             <a:endParaRPr lang="en-US" altLang="en-GB" sz="3200" b="1" dirty="0">
               <a:latin typeface="Calibri" panose="020F0502020204030204" pitchFamily="34" charset="0"/>
@@ -8970,19 +8890,7 @@
             </a:pPr>
             <a:r>
               <a:rPr lang="en-US" dirty="0"/>
-              <a:t>What is </a:t>
-            </a:r>
-            <a:r>
-              <a:rPr lang="en-US" altLang="en-GB" b="1" dirty="0">
-                <a:latin typeface="Calibri" panose="020F0502020204030204" pitchFamily="34" charset="0"/>
-                <a:cs typeface="Calibri" panose="020F0502020204030204" pitchFamily="34" charset="0"/>
-                <a:sym typeface="+mn-ea"/>
-              </a:rPr>
-              <a:t>Nginx</a:t>
-            </a:r>
-            <a:r>
-              <a:rPr lang="en-US" dirty="0"/>
-              <a:t>?</a:t>
+              <a:t>What is Apache and a Web Server?</a:t>
             </a:r>
             <a:endParaRPr lang="en-US" dirty="0"/>
           </a:p>
@@ -9002,83 +8910,14 @@
               <a:t> </a:t>
             </a:r>
             <a:r>
-              <a:rPr dirty="0"/>
-              <a:t>NGINX is open source software for web serving, reverse proxying, caching, load balancing, media streaming, and more.</a:t>
-            </a:r>
-            <a:endParaRPr dirty="0"/>
-          </a:p>
-          <a:p>
-            <a:pPr marL="171450" lvl="0" indent="-171450" fontAlgn="auto">
-              <a:lnSpc>
-                <a:spcPct val="200000"/>
-              </a:lnSpc>
-              <a:spcBef>
-                <a:spcPts val="700"/>
-              </a:spcBef>
-              <a:buFont typeface="Arial" panose="020B0604020202020204" pitchFamily="34" charset="0"/>
-              <a:buChar char="•"/>
-            </a:pPr>
-            <a:endParaRPr dirty="0"/>
-          </a:p>
-          <a:p>
-            <a:pPr marL="171450" lvl="0" indent="-171450" fontAlgn="auto">
-              <a:lnSpc>
-                <a:spcPct val="200000"/>
-              </a:lnSpc>
-              <a:spcBef>
-                <a:spcPts val="700"/>
-              </a:spcBef>
-              <a:buFont typeface="Arial" panose="020B0604020202020204" pitchFamily="34" charset="0"/>
-              <a:buChar char="•"/>
-            </a:pPr>
-            <a:r>
-              <a:rPr lang="en-US" altLang="zh-CN" dirty="0">
-                <a:sym typeface="+mn-ea"/>
-              </a:rPr>
-              <a:t>(</a:t>
-            </a:r>
-            <a:r>
-              <a:rPr lang="en-US" altLang="zh-CN" dirty="0">
-                <a:solidFill>
-                  <a:srgbClr val="FF0000"/>
-                </a:solidFill>
-                <a:sym typeface="+mn-ea"/>
-              </a:rPr>
-              <a:t>explain the folder structure</a:t>
-            </a:r>
-            <a:r>
-              <a:rPr lang="en-US" altLang="zh-CN" dirty="0">
-                <a:sym typeface="+mn-ea"/>
-              </a:rPr>
-              <a:t>)</a:t>
+              <a:rPr lang="en-US" altLang="zh-CN" dirty="0"/>
+              <a:t>Apache is a web server software. T</a:t>
+            </a:r>
+            <a:r>
+              <a:rPr lang="zh-CN" altLang="en-US" dirty="0"/>
+              <a:t>he web server checks for the web page you have requested and fetches it for your viewing pleasure. However, A web server is not just your host but also your server. Once it has found the web page you requested, it also serves you the web page</a:t>
             </a:r>
             <a:endParaRPr lang="en-US" altLang="zh-CN" dirty="0"/>
-          </a:p>
-          <a:p>
-            <a:pPr marL="171450" lvl="0" indent="-171450" fontAlgn="auto">
-              <a:lnSpc>
-                <a:spcPct val="200000"/>
-              </a:lnSpc>
-              <a:spcBef>
-                <a:spcPts val="700"/>
-              </a:spcBef>
-              <a:buFont typeface="Arial" panose="020B0604020202020204" pitchFamily="34" charset="0"/>
-              <a:buChar char="•"/>
-            </a:pPr>
-            <a:endParaRPr dirty="0"/>
-          </a:p>
-          <a:p>
-            <a:pPr marL="171450" lvl="0" indent="-171450" fontAlgn="auto">
-              <a:lnSpc>
-                <a:spcPct val="200000"/>
-              </a:lnSpc>
-              <a:spcBef>
-                <a:spcPts val="700"/>
-              </a:spcBef>
-              <a:buFont typeface="Arial" panose="020B0604020202020204" pitchFamily="34" charset="0"/>
-              <a:buChar char="•"/>
-            </a:pPr>
-            <a:endParaRPr dirty="0"/>
           </a:p>
         </p:txBody>
       </p:sp>
@@ -9232,9 +9071,8 @@
               <a:rPr lang="en-US" altLang="en-GB" sz="3200" b="1" dirty="0">
                 <a:latin typeface="Calibri" panose="020F0502020204030204" pitchFamily="34" charset="0"/>
                 <a:cs typeface="Calibri" panose="020F0502020204030204" pitchFamily="34" charset="0"/>
-                <a:sym typeface="+mn-ea"/>
               </a:rPr>
-              <a:t>Nginx</a:t>
+              <a:t>Apache</a:t>
             </a:r>
             <a:endParaRPr lang="en-US" altLang="en-GB" sz="3200" b="1" dirty="0">
               <a:latin typeface="Calibri" panose="020F0502020204030204" pitchFamily="34" charset="0"/>
@@ -9251,7 +9089,7 @@
         </p:nvSpPr>
         <p:spPr>
           <a:xfrm>
-            <a:off x="246455" y="859156"/>
+            <a:off x="233755" y="859156"/>
             <a:ext cx="8651359" cy="5486400"/>
           </a:xfrm>
           <a:prstGeom prst="rect">
@@ -9277,22 +9115,22 @@
               <a:buChar char="•"/>
             </a:pPr>
             <a:r>
-              <a:rPr lang="en-US" dirty="0"/>
-              <a:t>What is </a:t>
-            </a:r>
-            <a:r>
-              <a:rPr lang="en-US" altLang="en-GB" b="1" dirty="0">
-                <a:latin typeface="Calibri" panose="020F0502020204030204" pitchFamily="34" charset="0"/>
-                <a:cs typeface="Calibri" panose="020F0502020204030204" pitchFamily="34" charset="0"/>
-                <a:sym typeface="+mn-ea"/>
+              <a:rPr lang="en-US" altLang="zh-CN" dirty="0"/>
+              <a:t>XAMPP (</a:t>
+            </a:r>
+            <a:r>
+              <a:rPr lang="en-US" altLang="zh-CN" dirty="0">
+                <a:solidFill>
+                  <a:srgbClr val="FF0000"/>
+                </a:solidFill>
               </a:rPr>
-              <a:t>Nginx</a:t>
-            </a:r>
-            <a:r>
-              <a:rPr lang="en-US" dirty="0"/>
-              <a:t>?</a:t>
-            </a:r>
-            <a:endParaRPr lang="en-US" dirty="0"/>
+              <a:t>explain the folder structure</a:t>
+            </a:r>
+            <a:r>
+              <a:rPr lang="en-US" altLang="zh-CN" dirty="0"/>
+              <a:t>)</a:t>
+            </a:r>
+            <a:endParaRPr lang="en-US" altLang="zh-CN" dirty="0"/>
           </a:p>
           <a:p>
             <a:pPr marL="171450" lvl="0" indent="-171450" fontAlgn="auto">
@@ -9305,28 +9143,7 @@
               <a:buFont typeface="Arial" panose="020B0604020202020204" pitchFamily="34" charset="0"/>
               <a:buChar char="•"/>
             </a:pPr>
-            <a:r>
-              <a:rPr lang="zh-CN" altLang="en-US" dirty="0"/>
-              <a:t> </a:t>
-            </a:r>
-            <a:r>
-              <a:rPr lang="en-US" altLang="zh-CN" dirty="0"/>
-              <a:t>reverse proxying</a:t>
-            </a:r>
-            <a:endParaRPr dirty="0"/>
-          </a:p>
-          <a:p>
-            <a:pPr marL="171450" lvl="0" indent="-171450" fontAlgn="auto">
-              <a:lnSpc>
-                <a:spcPct val="200000"/>
-              </a:lnSpc>
-              <a:spcBef>
-                <a:spcPts val="700"/>
-              </a:spcBef>
-              <a:buFont typeface="Arial" panose="020B0604020202020204" pitchFamily="34" charset="0"/>
-              <a:buChar char="•"/>
-            </a:pPr>
-            <a:endParaRPr dirty="0"/>
+            <a:endParaRPr lang="en-US" altLang="zh-CN" dirty="0"/>
           </a:p>
         </p:txBody>
       </p:sp>
@@ -9427,22 +9244,26 @@
       </p:sp>
       <p:pic>
         <p:nvPicPr>
-          <p:cNvPr id="5" name="图片 4"/>
+          <p:cNvPr id="2" name="图片 1"/>
           <p:cNvPicPr>
             <a:picLocks noChangeAspect="1"/>
           </p:cNvPicPr>
-          <p:nvPr/>
+          <p:nvPr>
+            <p:custDataLst>
+              <p:tags r:id="rId1"/>
+            </p:custDataLst>
+          </p:nvPr>
         </p:nvPicPr>
         <p:blipFill>
-          <a:blip r:embed="rId1"/>
+          <a:blip r:embed="rId2"/>
           <a:stretch>
             <a:fillRect/>
           </a:stretch>
         </p:blipFill>
         <p:spPr>
           <a:xfrm>
-            <a:off x="246380" y="2550160"/>
-            <a:ext cx="6581775" cy="4086225"/>
+            <a:off x="246380" y="1879600"/>
+            <a:ext cx="4914900" cy="4114800"/>
           </a:xfrm>
           <a:prstGeom prst="rect">
             <a:avLst/>
@@ -9504,9 +9325,8 @@
               <a:rPr lang="en-US" altLang="en-GB" sz="3200" b="1" dirty="0">
                 <a:latin typeface="Calibri" panose="020F0502020204030204" pitchFamily="34" charset="0"/>
                 <a:cs typeface="Calibri" panose="020F0502020204030204" pitchFamily="34" charset="0"/>
-                <a:sym typeface="+mn-ea"/>
               </a:rPr>
-              <a:t>Nginx</a:t>
+              <a:t>Apache</a:t>
             </a:r>
             <a:endParaRPr lang="en-US" altLang="en-GB" sz="3200" b="1" dirty="0">
               <a:latin typeface="Calibri" panose="020F0502020204030204" pitchFamily="34" charset="0"/>
@@ -9523,7 +9343,7 @@
         </p:nvSpPr>
         <p:spPr>
           <a:xfrm>
-            <a:off x="246455" y="859156"/>
+            <a:off x="233755" y="859156"/>
             <a:ext cx="8651359" cy="5486400"/>
           </a:xfrm>
           <a:prstGeom prst="rect">
@@ -9549,22 +9369,22 @@
               <a:buChar char="•"/>
             </a:pPr>
             <a:r>
-              <a:rPr lang="en-US" dirty="0"/>
-              <a:t>What is </a:t>
-            </a:r>
-            <a:r>
-              <a:rPr lang="en-US" altLang="en-GB" b="1" dirty="0">
-                <a:latin typeface="Calibri" panose="020F0502020204030204" pitchFamily="34" charset="0"/>
-                <a:cs typeface="Calibri" panose="020F0502020204030204" pitchFamily="34" charset="0"/>
-                <a:sym typeface="+mn-ea"/>
+              <a:rPr lang="en-US" altLang="zh-CN" dirty="0"/>
+              <a:t>XAMPP (</a:t>
+            </a:r>
+            <a:r>
+              <a:rPr lang="en-US" altLang="zh-CN" dirty="0">
+                <a:solidFill>
+                  <a:srgbClr val="FF0000"/>
+                </a:solidFill>
               </a:rPr>
-              <a:t>Nginx</a:t>
-            </a:r>
-            <a:r>
-              <a:rPr lang="en-US" dirty="0"/>
-              <a:t>?</a:t>
-            </a:r>
-            <a:endParaRPr lang="en-US" dirty="0"/>
+              <a:t>explain the folder structure</a:t>
+            </a:r>
+            <a:r>
+              <a:rPr lang="en-US" altLang="zh-CN" dirty="0"/>
+              <a:t>)</a:t>
+            </a:r>
+            <a:endParaRPr lang="en-US" altLang="zh-CN" dirty="0"/>
           </a:p>
           <a:p>
             <a:pPr marL="171450" lvl="0" indent="-171450" fontAlgn="auto">
@@ -9577,28 +9397,7 @@
               <a:buFont typeface="Arial" panose="020B0604020202020204" pitchFamily="34" charset="0"/>
               <a:buChar char="•"/>
             </a:pPr>
-            <a:r>
-              <a:rPr lang="zh-CN" altLang="en-US" dirty="0"/>
-              <a:t> </a:t>
-            </a:r>
-            <a:r>
-              <a:rPr lang="en-US" altLang="zh-CN" dirty="0"/>
-              <a:t>Load Balancing</a:t>
-            </a:r>
-            <a:endParaRPr dirty="0"/>
-          </a:p>
-          <a:p>
-            <a:pPr marL="171450" lvl="0" indent="-171450" fontAlgn="auto">
-              <a:lnSpc>
-                <a:spcPct val="200000"/>
-              </a:lnSpc>
-              <a:spcBef>
-                <a:spcPts val="700"/>
-              </a:spcBef>
-              <a:buFont typeface="Arial" panose="020B0604020202020204" pitchFamily="34" charset="0"/>
-              <a:buChar char="•"/>
-            </a:pPr>
-            <a:endParaRPr dirty="0"/>
+            <a:endParaRPr lang="en-US" altLang="zh-CN" dirty="0"/>
           </a:p>
         </p:txBody>
       </p:sp>
@@ -9699,22 +9498,26 @@
       </p:sp>
       <p:pic>
         <p:nvPicPr>
-          <p:cNvPr id="2" name="图片 1"/>
+          <p:cNvPr id="3" name="图片 2"/>
           <p:cNvPicPr>
             <a:picLocks noChangeAspect="1"/>
           </p:cNvPicPr>
-          <p:nvPr/>
+          <p:nvPr>
+            <p:custDataLst>
+              <p:tags r:id="rId1"/>
+            </p:custDataLst>
+          </p:nvPr>
         </p:nvPicPr>
         <p:blipFill>
-          <a:blip r:embed="rId1"/>
+          <a:blip r:embed="rId2"/>
           <a:stretch>
             <a:fillRect/>
           </a:stretch>
         </p:blipFill>
         <p:spPr>
           <a:xfrm>
-            <a:off x="233680" y="2292985"/>
-            <a:ext cx="4373880" cy="3427095"/>
+            <a:off x="25400" y="2065020"/>
+            <a:ext cx="9088120" cy="3940810"/>
           </a:xfrm>
           <a:prstGeom prst="rect">
             <a:avLst/>
@@ -9776,9 +9579,8 @@
               <a:rPr lang="en-US" altLang="en-GB" sz="3200" b="1" dirty="0">
                 <a:latin typeface="Calibri" panose="020F0502020204030204" pitchFamily="34" charset="0"/>
                 <a:cs typeface="Calibri" panose="020F0502020204030204" pitchFamily="34" charset="0"/>
-                <a:sym typeface="+mn-ea"/>
               </a:rPr>
-              <a:t>Nginx</a:t>
+              <a:t>Apache</a:t>
             </a:r>
             <a:endParaRPr lang="en-US" altLang="en-GB" sz="3200" b="1" dirty="0">
               <a:latin typeface="Calibri" panose="020F0502020204030204" pitchFamily="34" charset="0"/>
@@ -9822,9 +9624,9 @@
             </a:pPr>
             <a:r>
               <a:rPr lang="en-US" altLang="zh-CN" dirty="0"/>
-              <a:t>Load Balancing</a:t>
-            </a:r>
-            <a:endParaRPr dirty="0"/>
+              <a:t>XAMPP: Host muliple websites</a:t>
+            </a:r>
+            <a:endParaRPr lang="en-US" altLang="zh-CN" dirty="0"/>
           </a:p>
           <a:p>
             <a:pPr marL="171450" lvl="0" indent="-171450" fontAlgn="auto">
@@ -9837,7 +9639,7 @@
               <a:buFont typeface="Arial" panose="020B0604020202020204" pitchFamily="34" charset="0"/>
               <a:buChar char="•"/>
             </a:pPr>
-            <a:endParaRPr dirty="0"/>
+            <a:endParaRPr lang="en-US" altLang="zh-CN" dirty="0"/>
           </a:p>
         </p:txBody>
       </p:sp>
@@ -9952,8 +9754,8 @@
         </p:blipFill>
         <p:spPr>
           <a:xfrm>
-            <a:off x="246380" y="1377315"/>
-            <a:ext cx="5206365" cy="3205480"/>
+            <a:off x="246380" y="1651635"/>
+            <a:ext cx="4629150" cy="2114550"/>
           </a:xfrm>
           <a:prstGeom prst="rect">
             <a:avLst/>
@@ -9976,8 +9778,8 @@
         </p:blipFill>
         <p:spPr>
           <a:xfrm>
-            <a:off x="4030345" y="3556000"/>
-            <a:ext cx="5113655" cy="3302000"/>
+            <a:off x="233680" y="4196080"/>
+            <a:ext cx="4829175" cy="2009775"/>
           </a:xfrm>
           <a:prstGeom prst="rect">
             <a:avLst/>
@@ -10039,7 +9841,6 @@
               <a:rPr lang="en-US" altLang="en-GB" sz="3200" b="1" dirty="0">
                 <a:latin typeface="Calibri" panose="020F0502020204030204" pitchFamily="34" charset="0"/>
                 <a:cs typeface="Calibri" panose="020F0502020204030204" pitchFamily="34" charset="0"/>
-                <a:sym typeface="+mn-ea"/>
               </a:rPr>
               <a:t>Nginx</a:t>
             </a:r>
@@ -10084,9 +9885,123 @@
               <a:buChar char="•"/>
             </a:pPr>
             <a:r>
-              <a:rPr lang="en-US" altLang="zh-CN" dirty="0"/>
-              <a:t>Load Balancing</a:t>
-            </a:r>
+              <a:rPr lang="en-US" dirty="0"/>
+              <a:t>What is </a:t>
+            </a:r>
+            <a:r>
+              <a:rPr lang="en-US" altLang="en-GB" b="1" dirty="0">
+                <a:latin typeface="Calibri" panose="020F0502020204030204" pitchFamily="34" charset="0"/>
+                <a:cs typeface="Calibri" panose="020F0502020204030204" pitchFamily="34" charset="0"/>
+                <a:sym typeface="+mn-ea"/>
+              </a:rPr>
+              <a:t>Nginx</a:t>
+            </a:r>
+            <a:r>
+              <a:rPr lang="en-US" dirty="0"/>
+              <a:t>?</a:t>
+            </a:r>
+            <a:endParaRPr lang="en-US" dirty="0"/>
+          </a:p>
+          <a:p>
+            <a:pPr marL="171450" lvl="0" indent="-171450" fontAlgn="auto">
+              <a:lnSpc>
+                <a:spcPct val="200000"/>
+              </a:lnSpc>
+              <a:spcBef>
+                <a:spcPts val="700"/>
+              </a:spcBef>
+              <a:buFont typeface="Arial" panose="020B0604020202020204" pitchFamily="34" charset="0"/>
+              <a:buChar char="•"/>
+            </a:pPr>
+            <a:r>
+              <a:rPr lang="zh-CN" altLang="en-US" dirty="0"/>
+              <a:t> </a:t>
+            </a:r>
+            <a:r>
+              <a:rPr dirty="0"/>
+              <a:t>NGINX is open source software for web serving, reverse proxying, caching, load balancing, media streaming, and more.</a:t>
+            </a:r>
+            <a:endParaRPr dirty="0"/>
+          </a:p>
+          <a:p>
+            <a:pPr marL="171450" lvl="0" indent="-171450" fontAlgn="auto">
+              <a:lnSpc>
+                <a:spcPct val="200000"/>
+              </a:lnSpc>
+              <a:spcBef>
+                <a:spcPts val="700"/>
+              </a:spcBef>
+              <a:buFont typeface="Arial" panose="020B0604020202020204" pitchFamily="34" charset="0"/>
+              <a:buChar char="•"/>
+            </a:pPr>
+            <a:r>
+              <a:rPr lang="en-US" altLang="zh-CN" dirty="0">
+                <a:sym typeface="+mn-ea"/>
+              </a:rPr>
+              <a:t>(</a:t>
+            </a:r>
+            <a:r>
+              <a:rPr lang="en-US" altLang="zh-CN" dirty="0">
+                <a:solidFill>
+                  <a:srgbClr val="FF0000"/>
+                </a:solidFill>
+                <a:sym typeface="+mn-ea"/>
+              </a:rPr>
+              <a:t>code demo: how to set domain for a website</a:t>
+            </a:r>
+            <a:r>
+              <a:rPr lang="en-US" altLang="zh-CN" dirty="0">
+                <a:sym typeface="+mn-ea"/>
+              </a:rPr>
+              <a:t>)</a:t>
+            </a:r>
+            <a:endParaRPr lang="en-US" altLang="zh-CN" dirty="0"/>
+          </a:p>
+          <a:p>
+            <a:pPr marL="171450" lvl="0" indent="-171450" fontAlgn="auto">
+              <a:lnSpc>
+                <a:spcPct val="200000"/>
+              </a:lnSpc>
+              <a:spcBef>
+                <a:spcPts val="700"/>
+              </a:spcBef>
+              <a:buFont typeface="Arial" panose="020B0604020202020204" pitchFamily="34" charset="0"/>
+              <a:buChar char="•"/>
+            </a:pPr>
+            <a:r>
+              <a:rPr lang="en-US" altLang="zh-CN" dirty="0">
+                <a:sym typeface="+mn-ea"/>
+              </a:rPr>
+              <a:t>(</a:t>
+            </a:r>
+            <a:r>
+              <a:rPr lang="en-US" altLang="zh-CN" dirty="0">
+                <a:solidFill>
+                  <a:srgbClr val="FF0000"/>
+                </a:solidFill>
+                <a:sym typeface="+mn-ea"/>
+              </a:rPr>
+              <a:t>explain the folder structure</a:t>
+            </a:r>
+            <a:r>
+              <a:rPr lang="en-US" altLang="zh-CN" dirty="0">
+                <a:sym typeface="+mn-ea"/>
+              </a:rPr>
+              <a:t>)</a:t>
+            </a:r>
+            <a:endParaRPr lang="en-US" altLang="zh-CN" dirty="0"/>
+          </a:p>
+          <a:p>
+            <a:pPr marL="171450" lvl="0" indent="-171450" fontAlgn="auto">
+              <a:lnSpc>
+                <a:spcPct val="200000"/>
+              </a:lnSpc>
+              <a:spcBef>
+                <a:spcPts val="700"/>
+              </a:spcBef>
+              <a:buFont typeface="Arial" panose="020B0604020202020204" pitchFamily="34" charset="0"/>
+              <a:buChar char="•"/>
+            </a:pPr>
             <a:endParaRPr dirty="0"/>
           </a:p>
           <a:p>
@@ -10199,9 +10114,257 @@
           </a:p>
         </p:txBody>
       </p:sp>
+    </p:spTree>
+  </p:cSld>
+  <p:clrMapOvr>
+    <a:masterClrMapping/>
+  </p:clrMapOvr>
+  <p:transition spd="med">
+    <p:fade/>
+  </p:transition>
+</p:sld>
+</file>
+
+<file path=ppt/slides/slide19.xml><?xml version="1.0" encoding="utf-8"?>
+<p:sld xmlns:a="http://schemas.openxmlformats.org/drawingml/2006/main" xmlns:r="http://schemas.openxmlformats.org/officeDocument/2006/relationships" xmlns:p="http://schemas.openxmlformats.org/presentationml/2006/main">
+  <p:cSld>
+    <p:spTree>
+      <p:nvGrpSpPr>
+        <p:cNvPr id="1" name=""/>
+        <p:cNvGrpSpPr/>
+        <p:nvPr/>
+      </p:nvGrpSpPr>
+      <p:grpSpPr>
+        <a:xfrm>
+          <a:off x="0" y="0"/>
+          <a:ext cx="0" cy="0"/>
+          <a:chOff x="0" y="0"/>
+          <a:chExt cx="0" cy="0"/>
+        </a:xfrm>
+      </p:grpSpPr>
+      <p:sp>
+        <p:nvSpPr>
+          <p:cNvPr id="21505" name="Title 1"/>
+          <p:cNvSpPr>
+            <a:spLocks noGrp="1"/>
+          </p:cNvSpPr>
+          <p:nvPr>
+            <p:ph type="title"/>
+          </p:nvPr>
+        </p:nvSpPr>
+        <p:spPr>
+          <a:xfrm>
+            <a:off x="233363" y="308848"/>
+            <a:ext cx="8227219" cy="327422"/>
+          </a:xfrm>
+        </p:spPr>
+        <p:txBody>
+          <a:bodyPr vert="horz" lIns="0" tIns="0" rIns="0" bIns="0" rtlCol="0" anchor="ctr">
+            <a:normAutofit fontScale="90000"/>
+          </a:bodyPr>
+          <a:lstStyle/>
+          <a:p>
+            <a:pPr algn="ctr"/>
+            <a:r>
+              <a:rPr lang="en-US" altLang="en-GB" sz="3200" b="1" dirty="0">
+                <a:latin typeface="Calibri" panose="020F0502020204030204" pitchFamily="34" charset="0"/>
+                <a:cs typeface="Calibri" panose="020F0502020204030204" pitchFamily="34" charset="0"/>
+                <a:sym typeface="+mn-ea"/>
+              </a:rPr>
+              <a:t>Nginx</a:t>
+            </a:r>
+            <a:endParaRPr lang="en-US" altLang="en-GB" sz="3200" b="1" dirty="0">
+              <a:latin typeface="Calibri" panose="020F0502020204030204" pitchFamily="34" charset="0"/>
+              <a:cs typeface="Calibri" panose="020F0502020204030204" pitchFamily="34" charset="0"/>
+            </a:endParaRPr>
+          </a:p>
+        </p:txBody>
+      </p:sp>
+      <p:sp>
+        <p:nvSpPr>
+          <p:cNvPr id="21506" name="文本框 6"/>
+          <p:cNvSpPr txBox="1"/>
+          <p:nvPr/>
+        </p:nvSpPr>
+        <p:spPr>
+          <a:xfrm>
+            <a:off x="246455" y="859156"/>
+            <a:ext cx="8651359" cy="5486400"/>
+          </a:xfrm>
+          <a:prstGeom prst="rect">
+            <a:avLst/>
+          </a:prstGeom>
+          <a:noFill/>
+          <a:ln w="9525">
+            <a:noFill/>
+          </a:ln>
+        </p:spPr>
+        <p:txBody>
+          <a:bodyPr wrap="square" lIns="0" tIns="0" rIns="0" bIns="0" anchor="t"/>
+          <a:lstStyle/>
+          <a:p>
+            <a:pPr marL="171450" lvl="0" indent="-171450" fontAlgn="auto">
+              <a:lnSpc>
+                <a:spcPct val="200000"/>
+              </a:lnSpc>
+              <a:spcBef>
+                <a:spcPts val="700"/>
+              </a:spcBef>
+              <a:buFont typeface="Arial" panose="020B0604020202020204" pitchFamily="34" charset="0"/>
+              <a:buChar char="•"/>
+            </a:pPr>
+            <a:r>
+              <a:rPr lang="en-US" dirty="0"/>
+              <a:t>What is </a:t>
+            </a:r>
+            <a:r>
+              <a:rPr lang="en-US" altLang="en-GB" b="1" dirty="0">
+                <a:latin typeface="Calibri" panose="020F0502020204030204" pitchFamily="34" charset="0"/>
+                <a:cs typeface="Calibri" panose="020F0502020204030204" pitchFamily="34" charset="0"/>
+                <a:sym typeface="+mn-ea"/>
+              </a:rPr>
+              <a:t>Nginx</a:t>
+            </a:r>
+            <a:r>
+              <a:rPr lang="en-US" dirty="0"/>
+              <a:t>?</a:t>
+            </a:r>
+            <a:endParaRPr lang="en-US" dirty="0"/>
+          </a:p>
+          <a:p>
+            <a:pPr marL="171450" lvl="0" indent="-171450" fontAlgn="auto">
+              <a:lnSpc>
+                <a:spcPct val="200000"/>
+              </a:lnSpc>
+              <a:spcBef>
+                <a:spcPts val="700"/>
+              </a:spcBef>
+              <a:buFont typeface="Arial" panose="020B0604020202020204" pitchFamily="34" charset="0"/>
+              <a:buChar char="•"/>
+            </a:pPr>
+            <a:r>
+              <a:rPr lang="zh-CN" altLang="en-US" dirty="0"/>
+              <a:t> </a:t>
+            </a:r>
+            <a:r>
+              <a:rPr lang="en-US" altLang="zh-CN" dirty="0"/>
+              <a:t>reverse proxying</a:t>
+            </a:r>
+            <a:endParaRPr dirty="0"/>
+          </a:p>
+          <a:p>
+            <a:pPr marL="171450" lvl="0" indent="-171450" fontAlgn="auto">
+              <a:lnSpc>
+                <a:spcPct val="200000"/>
+              </a:lnSpc>
+              <a:spcBef>
+                <a:spcPts val="700"/>
+              </a:spcBef>
+              <a:buFont typeface="Arial" panose="020B0604020202020204" pitchFamily="34" charset="0"/>
+              <a:buChar char="•"/>
+            </a:pPr>
+            <a:endParaRPr dirty="0"/>
+          </a:p>
+        </p:txBody>
+      </p:sp>
+      <p:sp>
+        <p:nvSpPr>
+          <p:cNvPr id="6" name="TextBox 6"/>
+          <p:cNvSpPr txBox="1"/>
+          <p:nvPr/>
+        </p:nvSpPr>
+        <p:spPr>
+          <a:xfrm>
+            <a:off x="25183" y="6636420"/>
+            <a:ext cx="3270445" cy="184664"/>
+          </a:xfrm>
+          <a:prstGeom prst="rect">
+            <a:avLst/>
+          </a:prstGeom>
+          <a:ln w="12700">
+            <a:miter lim="400000"/>
+          </a:ln>
+        </p:spPr>
+        <p:txBody>
+          <a:bodyPr wrap="none" lIns="34289" tIns="34289" rIns="34289" bIns="34289">
+            <a:spAutoFit/>
+          </a:bodyPr>
+          <a:lstStyle>
+            <a:lvl1pPr defTabSz="914400">
+              <a:defRPr sz="1000">
+                <a:solidFill>
+                  <a:srgbClr val="FFFFFF"/>
+                </a:solidFill>
+                <a:latin typeface="Montserrat" panose="00000500000000000000"/>
+                <a:ea typeface="Montserrat" panose="00000500000000000000"/>
+                <a:cs typeface="Montserrat" panose="00000500000000000000"/>
+                <a:sym typeface="Montserrat" panose="00000500000000000000"/>
+              </a:defRPr>
+            </a:lvl1pPr>
+          </a:lstStyle>
+          <a:p>
+            <a:r>
+              <a:rPr lang="en-US" sz="750" dirty="0">
+                <a:solidFill>
+                  <a:schemeClr val="tx1"/>
+                </a:solidFill>
+                <a:latin typeface="Montserrat" panose="00000500000000000000" pitchFamily="2" charset="0"/>
+              </a:rPr>
+              <a:t>© 2017-2020    SmartMesh Foundation Pte. Ltd.  |  MeshBox Foundation Pte. Ltd.</a:t>
+            </a:r>
+            <a:endParaRPr lang="en-US" sz="750" dirty="0">
+              <a:solidFill>
+                <a:schemeClr val="tx1"/>
+              </a:solidFill>
+              <a:latin typeface="Montserrat" panose="00000500000000000000" pitchFamily="2" charset="0"/>
+              <a:sym typeface="Arial" panose="020B0604020202020204"/>
+            </a:endParaRPr>
+          </a:p>
+        </p:txBody>
+      </p:sp>
+      <p:sp>
+        <p:nvSpPr>
+          <p:cNvPr id="7" name="TextBox 6"/>
+          <p:cNvSpPr txBox="1">
+            <a:spLocks noChangeArrowheads="1"/>
+          </p:cNvSpPr>
+          <p:nvPr/>
+        </p:nvSpPr>
+        <p:spPr bwMode="auto">
+          <a:xfrm>
+            <a:off x="7872314" y="6569155"/>
+            <a:ext cx="1289447" cy="253916"/>
+          </a:xfrm>
+          <a:prstGeom prst="rect">
+            <a:avLst/>
+          </a:prstGeom>
+          <a:noFill/>
+          <a:ln w="9525">
+            <a:noFill/>
+            <a:miter lim="800000"/>
+          </a:ln>
+        </p:spPr>
+        <p:txBody>
+          <a:bodyPr>
+            <a:spAutoFit/>
+          </a:bodyPr>
+          <a:lstStyle/>
+          <a:p>
+            <a:pPr algn="r"/>
+            <a:fld id="{6F888031-CE6A-4173-BB2B-520974F34056}" type="slidenum">
+              <a:rPr lang="en-GB" sz="1050">
+                <a:latin typeface="Calibri" panose="020F0502020204030204" pitchFamily="34" charset="0"/>
+              </a:rPr>
+            </a:fld>
+            <a:endParaRPr lang="en-GB" sz="1050" dirty="0">
+              <a:latin typeface="Calibri" panose="020F0502020204030204" pitchFamily="34" charset="0"/>
+            </a:endParaRPr>
+          </a:p>
+        </p:txBody>
+      </p:sp>
       <p:pic>
         <p:nvPicPr>
-          <p:cNvPr id="2" name="图片 1"/>
+          <p:cNvPr id="5" name="图片 4"/>
           <p:cNvPicPr>
             <a:picLocks noChangeAspect="1"/>
           </p:cNvPicPr>
@@ -10215,8 +10378,8 @@
         </p:blipFill>
         <p:spPr>
           <a:xfrm>
-            <a:off x="246380" y="1339850"/>
-            <a:ext cx="5172075" cy="5229225"/>
+            <a:off x="246380" y="2550160"/>
+            <a:ext cx="6581775" cy="4086225"/>
           </a:xfrm>
           <a:prstGeom prst="rect">
             <a:avLst/>
@@ -10323,7 +10486,24 @@
             </a:pPr>
             <a:r>
               <a:rPr lang="en-US" dirty="0"/>
-              <a:t>React Node Web3 Integration</a:t>
+              <a:t>Proxy Code Demo</a:t>
+            </a:r>
+            <a:endParaRPr lang="en-US" dirty="0"/>
+          </a:p>
+          <a:p>
+            <a:pPr marL="171450" lvl="0" indent="-171450" fontAlgn="auto">
+              <a:lnSpc>
+                <a:spcPct val="200000"/>
+              </a:lnSpc>
+              <a:spcBef>
+                <a:spcPts val="700"/>
+              </a:spcBef>
+              <a:buFont typeface="Arial" panose="020B0604020202020204" pitchFamily="34" charset="0"/>
+              <a:buChar char="•"/>
+            </a:pPr>
+            <a:r>
+              <a:rPr lang="en-US" dirty="0"/>
+              <a:t>React Node Integration</a:t>
             </a:r>
             <a:endParaRPr lang="en-US" dirty="0"/>
           </a:p>
@@ -10458,6 +10638,780 @@
           </a:p>
         </p:txBody>
       </p:sp>
+    </p:spTree>
+  </p:cSld>
+  <p:clrMapOvr>
+    <a:masterClrMapping/>
+  </p:clrMapOvr>
+  <p:transition spd="med">
+    <p:fade/>
+  </p:transition>
+</p:sld>
+</file>
+
+<file path=ppt/slides/slide20.xml><?xml version="1.0" encoding="utf-8"?>
+<p:sld xmlns:a="http://schemas.openxmlformats.org/drawingml/2006/main" xmlns:r="http://schemas.openxmlformats.org/officeDocument/2006/relationships" xmlns:p="http://schemas.openxmlformats.org/presentationml/2006/main">
+  <p:cSld>
+    <p:spTree>
+      <p:nvGrpSpPr>
+        <p:cNvPr id="1" name=""/>
+        <p:cNvGrpSpPr/>
+        <p:nvPr/>
+      </p:nvGrpSpPr>
+      <p:grpSpPr>
+        <a:xfrm>
+          <a:off x="0" y="0"/>
+          <a:ext cx="0" cy="0"/>
+          <a:chOff x="0" y="0"/>
+          <a:chExt cx="0" cy="0"/>
+        </a:xfrm>
+      </p:grpSpPr>
+      <p:sp>
+        <p:nvSpPr>
+          <p:cNvPr id="21505" name="Title 1"/>
+          <p:cNvSpPr>
+            <a:spLocks noGrp="1"/>
+          </p:cNvSpPr>
+          <p:nvPr>
+            <p:ph type="title"/>
+          </p:nvPr>
+        </p:nvSpPr>
+        <p:spPr>
+          <a:xfrm>
+            <a:off x="233363" y="308848"/>
+            <a:ext cx="8227219" cy="327422"/>
+          </a:xfrm>
+        </p:spPr>
+        <p:txBody>
+          <a:bodyPr vert="horz" lIns="0" tIns="0" rIns="0" bIns="0" rtlCol="0" anchor="ctr">
+            <a:normAutofit fontScale="90000"/>
+          </a:bodyPr>
+          <a:lstStyle/>
+          <a:p>
+            <a:pPr algn="ctr"/>
+            <a:r>
+              <a:rPr lang="en-US" altLang="en-GB" sz="3200" b="1" dirty="0">
+                <a:latin typeface="Calibri" panose="020F0502020204030204" pitchFamily="34" charset="0"/>
+                <a:cs typeface="Calibri" panose="020F0502020204030204" pitchFamily="34" charset="0"/>
+                <a:sym typeface="+mn-ea"/>
+              </a:rPr>
+              <a:t>Nginx</a:t>
+            </a:r>
+            <a:endParaRPr lang="en-US" altLang="en-GB" sz="3200" b="1" dirty="0">
+              <a:latin typeface="Calibri" panose="020F0502020204030204" pitchFamily="34" charset="0"/>
+              <a:cs typeface="Calibri" panose="020F0502020204030204" pitchFamily="34" charset="0"/>
+            </a:endParaRPr>
+          </a:p>
+        </p:txBody>
+      </p:sp>
+      <p:sp>
+        <p:nvSpPr>
+          <p:cNvPr id="21506" name="文本框 6"/>
+          <p:cNvSpPr txBox="1"/>
+          <p:nvPr/>
+        </p:nvSpPr>
+        <p:spPr>
+          <a:xfrm>
+            <a:off x="246455" y="859156"/>
+            <a:ext cx="8651359" cy="5486400"/>
+          </a:xfrm>
+          <a:prstGeom prst="rect">
+            <a:avLst/>
+          </a:prstGeom>
+          <a:noFill/>
+          <a:ln w="9525">
+            <a:noFill/>
+          </a:ln>
+        </p:spPr>
+        <p:txBody>
+          <a:bodyPr wrap="square" lIns="0" tIns="0" rIns="0" bIns="0" anchor="t"/>
+          <a:lstStyle/>
+          <a:p>
+            <a:pPr marL="171450" lvl="0" indent="-171450" fontAlgn="auto">
+              <a:lnSpc>
+                <a:spcPct val="200000"/>
+              </a:lnSpc>
+              <a:spcBef>
+                <a:spcPts val="700"/>
+              </a:spcBef>
+              <a:buFont typeface="Arial" panose="020B0604020202020204" pitchFamily="34" charset="0"/>
+              <a:buChar char="•"/>
+            </a:pPr>
+            <a:r>
+              <a:rPr lang="en-US" dirty="0"/>
+              <a:t>What is </a:t>
+            </a:r>
+            <a:r>
+              <a:rPr lang="en-US" altLang="en-GB" b="1" dirty="0">
+                <a:latin typeface="Calibri" panose="020F0502020204030204" pitchFamily="34" charset="0"/>
+                <a:cs typeface="Calibri" panose="020F0502020204030204" pitchFamily="34" charset="0"/>
+                <a:sym typeface="+mn-ea"/>
+              </a:rPr>
+              <a:t>Nginx</a:t>
+            </a:r>
+            <a:r>
+              <a:rPr lang="en-US" dirty="0"/>
+              <a:t>?</a:t>
+            </a:r>
+            <a:endParaRPr lang="en-US" dirty="0"/>
+          </a:p>
+          <a:p>
+            <a:pPr marL="171450" lvl="0" indent="-171450" fontAlgn="auto">
+              <a:lnSpc>
+                <a:spcPct val="200000"/>
+              </a:lnSpc>
+              <a:spcBef>
+                <a:spcPts val="700"/>
+              </a:spcBef>
+              <a:buFont typeface="Arial" panose="020B0604020202020204" pitchFamily="34" charset="0"/>
+              <a:buChar char="•"/>
+            </a:pPr>
+            <a:r>
+              <a:rPr lang="zh-CN" altLang="en-US" dirty="0"/>
+              <a:t> </a:t>
+            </a:r>
+            <a:r>
+              <a:rPr lang="en-US" altLang="zh-CN" dirty="0"/>
+              <a:t>Load Balancing</a:t>
+            </a:r>
+            <a:endParaRPr dirty="0"/>
+          </a:p>
+          <a:p>
+            <a:pPr marL="171450" lvl="0" indent="-171450" fontAlgn="auto">
+              <a:lnSpc>
+                <a:spcPct val="200000"/>
+              </a:lnSpc>
+              <a:spcBef>
+                <a:spcPts val="700"/>
+              </a:spcBef>
+              <a:buFont typeface="Arial" panose="020B0604020202020204" pitchFamily="34" charset="0"/>
+              <a:buChar char="•"/>
+            </a:pPr>
+            <a:endParaRPr dirty="0"/>
+          </a:p>
+        </p:txBody>
+      </p:sp>
+      <p:sp>
+        <p:nvSpPr>
+          <p:cNvPr id="6" name="TextBox 6"/>
+          <p:cNvSpPr txBox="1"/>
+          <p:nvPr/>
+        </p:nvSpPr>
+        <p:spPr>
+          <a:xfrm>
+            <a:off x="25183" y="6636420"/>
+            <a:ext cx="3270445" cy="184664"/>
+          </a:xfrm>
+          <a:prstGeom prst="rect">
+            <a:avLst/>
+          </a:prstGeom>
+          <a:ln w="12700">
+            <a:miter lim="400000"/>
+          </a:ln>
+        </p:spPr>
+        <p:txBody>
+          <a:bodyPr wrap="none" lIns="34289" tIns="34289" rIns="34289" bIns="34289">
+            <a:spAutoFit/>
+          </a:bodyPr>
+          <a:lstStyle>
+            <a:lvl1pPr defTabSz="914400">
+              <a:defRPr sz="1000">
+                <a:solidFill>
+                  <a:srgbClr val="FFFFFF"/>
+                </a:solidFill>
+                <a:latin typeface="Montserrat" panose="00000500000000000000"/>
+                <a:ea typeface="Montserrat" panose="00000500000000000000"/>
+                <a:cs typeface="Montserrat" panose="00000500000000000000"/>
+                <a:sym typeface="Montserrat" panose="00000500000000000000"/>
+              </a:defRPr>
+            </a:lvl1pPr>
+          </a:lstStyle>
+          <a:p>
+            <a:r>
+              <a:rPr lang="en-US" sz="750" dirty="0">
+                <a:solidFill>
+                  <a:schemeClr val="tx1"/>
+                </a:solidFill>
+                <a:latin typeface="Montserrat" panose="00000500000000000000" pitchFamily="2" charset="0"/>
+              </a:rPr>
+              <a:t>© 2017-2020    SmartMesh Foundation Pte. Ltd.  |  MeshBox Foundation Pte. Ltd.</a:t>
+            </a:r>
+            <a:endParaRPr lang="en-US" sz="750" dirty="0">
+              <a:solidFill>
+                <a:schemeClr val="tx1"/>
+              </a:solidFill>
+              <a:latin typeface="Montserrat" panose="00000500000000000000" pitchFamily="2" charset="0"/>
+              <a:sym typeface="Arial" panose="020B0604020202020204"/>
+            </a:endParaRPr>
+          </a:p>
+        </p:txBody>
+      </p:sp>
+      <p:sp>
+        <p:nvSpPr>
+          <p:cNvPr id="7" name="TextBox 6"/>
+          <p:cNvSpPr txBox="1">
+            <a:spLocks noChangeArrowheads="1"/>
+          </p:cNvSpPr>
+          <p:nvPr/>
+        </p:nvSpPr>
+        <p:spPr bwMode="auto">
+          <a:xfrm>
+            <a:off x="7872314" y="6569155"/>
+            <a:ext cx="1289447" cy="253916"/>
+          </a:xfrm>
+          <a:prstGeom prst="rect">
+            <a:avLst/>
+          </a:prstGeom>
+          <a:noFill/>
+          <a:ln w="9525">
+            <a:noFill/>
+            <a:miter lim="800000"/>
+          </a:ln>
+        </p:spPr>
+        <p:txBody>
+          <a:bodyPr>
+            <a:spAutoFit/>
+          </a:bodyPr>
+          <a:lstStyle/>
+          <a:p>
+            <a:pPr algn="r"/>
+            <a:fld id="{6F888031-CE6A-4173-BB2B-520974F34056}" type="slidenum">
+              <a:rPr lang="en-GB" sz="1050">
+                <a:latin typeface="Calibri" panose="020F0502020204030204" pitchFamily="34" charset="0"/>
+              </a:rPr>
+            </a:fld>
+            <a:endParaRPr lang="en-GB" sz="1050" dirty="0">
+              <a:latin typeface="Calibri" panose="020F0502020204030204" pitchFamily="34" charset="0"/>
+            </a:endParaRPr>
+          </a:p>
+        </p:txBody>
+      </p:sp>
+      <p:pic>
+        <p:nvPicPr>
+          <p:cNvPr id="2" name="图片 1"/>
+          <p:cNvPicPr>
+            <a:picLocks noChangeAspect="1"/>
+          </p:cNvPicPr>
+          <p:nvPr/>
+        </p:nvPicPr>
+        <p:blipFill>
+          <a:blip r:embed="rId1"/>
+          <a:stretch>
+            <a:fillRect/>
+          </a:stretch>
+        </p:blipFill>
+        <p:spPr>
+          <a:xfrm>
+            <a:off x="233680" y="2292985"/>
+            <a:ext cx="4373880" cy="3427095"/>
+          </a:xfrm>
+          <a:prstGeom prst="rect">
+            <a:avLst/>
+          </a:prstGeom>
+        </p:spPr>
+      </p:pic>
+    </p:spTree>
+  </p:cSld>
+  <p:clrMapOvr>
+    <a:masterClrMapping/>
+  </p:clrMapOvr>
+  <p:transition spd="med">
+    <p:fade/>
+  </p:transition>
+</p:sld>
+</file>
+
+<file path=ppt/slides/slide21.xml><?xml version="1.0" encoding="utf-8"?>
+<p:sld xmlns:a="http://schemas.openxmlformats.org/drawingml/2006/main" xmlns:r="http://schemas.openxmlformats.org/officeDocument/2006/relationships" xmlns:p="http://schemas.openxmlformats.org/presentationml/2006/main">
+  <p:cSld>
+    <p:spTree>
+      <p:nvGrpSpPr>
+        <p:cNvPr id="1" name=""/>
+        <p:cNvGrpSpPr/>
+        <p:nvPr/>
+      </p:nvGrpSpPr>
+      <p:grpSpPr>
+        <a:xfrm>
+          <a:off x="0" y="0"/>
+          <a:ext cx="0" cy="0"/>
+          <a:chOff x="0" y="0"/>
+          <a:chExt cx="0" cy="0"/>
+        </a:xfrm>
+      </p:grpSpPr>
+      <p:sp>
+        <p:nvSpPr>
+          <p:cNvPr id="21505" name="Title 1"/>
+          <p:cNvSpPr>
+            <a:spLocks noGrp="1"/>
+          </p:cNvSpPr>
+          <p:nvPr>
+            <p:ph type="title"/>
+          </p:nvPr>
+        </p:nvSpPr>
+        <p:spPr>
+          <a:xfrm>
+            <a:off x="233363" y="308848"/>
+            <a:ext cx="8227219" cy="327422"/>
+          </a:xfrm>
+        </p:spPr>
+        <p:txBody>
+          <a:bodyPr vert="horz" lIns="0" tIns="0" rIns="0" bIns="0" rtlCol="0" anchor="ctr">
+            <a:normAutofit fontScale="90000"/>
+          </a:bodyPr>
+          <a:lstStyle/>
+          <a:p>
+            <a:pPr algn="ctr"/>
+            <a:r>
+              <a:rPr lang="en-US" altLang="en-GB" sz="3200" b="1" dirty="0">
+                <a:latin typeface="Calibri" panose="020F0502020204030204" pitchFamily="34" charset="0"/>
+                <a:cs typeface="Calibri" panose="020F0502020204030204" pitchFamily="34" charset="0"/>
+                <a:sym typeface="+mn-ea"/>
+              </a:rPr>
+              <a:t>Nginx</a:t>
+            </a:r>
+            <a:endParaRPr lang="en-US" altLang="en-GB" sz="3200" b="1" dirty="0">
+              <a:latin typeface="Calibri" panose="020F0502020204030204" pitchFamily="34" charset="0"/>
+              <a:cs typeface="Calibri" panose="020F0502020204030204" pitchFamily="34" charset="0"/>
+            </a:endParaRPr>
+          </a:p>
+        </p:txBody>
+      </p:sp>
+      <p:sp>
+        <p:nvSpPr>
+          <p:cNvPr id="21506" name="文本框 6"/>
+          <p:cNvSpPr txBox="1"/>
+          <p:nvPr/>
+        </p:nvSpPr>
+        <p:spPr>
+          <a:xfrm>
+            <a:off x="246455" y="859156"/>
+            <a:ext cx="8651359" cy="5486400"/>
+          </a:xfrm>
+          <a:prstGeom prst="rect">
+            <a:avLst/>
+          </a:prstGeom>
+          <a:noFill/>
+          <a:ln w="9525">
+            <a:noFill/>
+          </a:ln>
+        </p:spPr>
+        <p:txBody>
+          <a:bodyPr wrap="square" lIns="0" tIns="0" rIns="0" bIns="0" anchor="t"/>
+          <a:lstStyle/>
+          <a:p>
+            <a:pPr marL="171450" lvl="0" indent="-171450" fontAlgn="auto">
+              <a:lnSpc>
+                <a:spcPct val="200000"/>
+              </a:lnSpc>
+              <a:spcBef>
+                <a:spcPts val="700"/>
+              </a:spcBef>
+              <a:buFont typeface="Arial" panose="020B0604020202020204" pitchFamily="34" charset="0"/>
+              <a:buChar char="•"/>
+            </a:pPr>
+            <a:r>
+              <a:rPr lang="en-US" altLang="zh-CN" dirty="0"/>
+              <a:t>Load Balancing</a:t>
+            </a:r>
+            <a:endParaRPr dirty="0"/>
+          </a:p>
+          <a:p>
+            <a:pPr marL="171450" lvl="0" indent="-171450" fontAlgn="auto">
+              <a:lnSpc>
+                <a:spcPct val="200000"/>
+              </a:lnSpc>
+              <a:spcBef>
+                <a:spcPts val="700"/>
+              </a:spcBef>
+              <a:buFont typeface="Arial" panose="020B0604020202020204" pitchFamily="34" charset="0"/>
+              <a:buChar char="•"/>
+            </a:pPr>
+            <a:endParaRPr dirty="0"/>
+          </a:p>
+        </p:txBody>
+      </p:sp>
+      <p:sp>
+        <p:nvSpPr>
+          <p:cNvPr id="6" name="TextBox 6"/>
+          <p:cNvSpPr txBox="1"/>
+          <p:nvPr/>
+        </p:nvSpPr>
+        <p:spPr>
+          <a:xfrm>
+            <a:off x="25183" y="6636420"/>
+            <a:ext cx="3270445" cy="184664"/>
+          </a:xfrm>
+          <a:prstGeom prst="rect">
+            <a:avLst/>
+          </a:prstGeom>
+          <a:ln w="12700">
+            <a:miter lim="400000"/>
+          </a:ln>
+        </p:spPr>
+        <p:txBody>
+          <a:bodyPr wrap="none" lIns="34289" tIns="34289" rIns="34289" bIns="34289">
+            <a:spAutoFit/>
+          </a:bodyPr>
+          <a:lstStyle>
+            <a:lvl1pPr defTabSz="914400">
+              <a:defRPr sz="1000">
+                <a:solidFill>
+                  <a:srgbClr val="FFFFFF"/>
+                </a:solidFill>
+                <a:latin typeface="Montserrat" panose="00000500000000000000"/>
+                <a:ea typeface="Montserrat" panose="00000500000000000000"/>
+                <a:cs typeface="Montserrat" panose="00000500000000000000"/>
+                <a:sym typeface="Montserrat" panose="00000500000000000000"/>
+              </a:defRPr>
+            </a:lvl1pPr>
+          </a:lstStyle>
+          <a:p>
+            <a:r>
+              <a:rPr lang="en-US" sz="750" dirty="0">
+                <a:solidFill>
+                  <a:schemeClr val="tx1"/>
+                </a:solidFill>
+                <a:latin typeface="Montserrat" panose="00000500000000000000" pitchFamily="2" charset="0"/>
+              </a:rPr>
+              <a:t>© 2017-2020    SmartMesh Foundation Pte. Ltd.  |  MeshBox Foundation Pte. Ltd.</a:t>
+            </a:r>
+            <a:endParaRPr lang="en-US" sz="750" dirty="0">
+              <a:solidFill>
+                <a:schemeClr val="tx1"/>
+              </a:solidFill>
+              <a:latin typeface="Montserrat" panose="00000500000000000000" pitchFamily="2" charset="0"/>
+              <a:sym typeface="Arial" panose="020B0604020202020204"/>
+            </a:endParaRPr>
+          </a:p>
+        </p:txBody>
+      </p:sp>
+      <p:sp>
+        <p:nvSpPr>
+          <p:cNvPr id="7" name="TextBox 6"/>
+          <p:cNvSpPr txBox="1">
+            <a:spLocks noChangeArrowheads="1"/>
+          </p:cNvSpPr>
+          <p:nvPr/>
+        </p:nvSpPr>
+        <p:spPr bwMode="auto">
+          <a:xfrm>
+            <a:off x="7872314" y="6569155"/>
+            <a:ext cx="1289447" cy="253916"/>
+          </a:xfrm>
+          <a:prstGeom prst="rect">
+            <a:avLst/>
+          </a:prstGeom>
+          <a:noFill/>
+          <a:ln w="9525">
+            <a:noFill/>
+            <a:miter lim="800000"/>
+          </a:ln>
+        </p:spPr>
+        <p:txBody>
+          <a:bodyPr>
+            <a:spAutoFit/>
+          </a:bodyPr>
+          <a:lstStyle/>
+          <a:p>
+            <a:pPr algn="r"/>
+            <a:fld id="{6F888031-CE6A-4173-BB2B-520974F34056}" type="slidenum">
+              <a:rPr lang="en-GB" sz="1050">
+                <a:latin typeface="Calibri" panose="020F0502020204030204" pitchFamily="34" charset="0"/>
+              </a:rPr>
+            </a:fld>
+            <a:endParaRPr lang="en-GB" sz="1050" dirty="0">
+              <a:latin typeface="Calibri" panose="020F0502020204030204" pitchFamily="34" charset="0"/>
+            </a:endParaRPr>
+          </a:p>
+        </p:txBody>
+      </p:sp>
+      <p:pic>
+        <p:nvPicPr>
+          <p:cNvPr id="3" name="图片 2"/>
+          <p:cNvPicPr>
+            <a:picLocks noChangeAspect="1"/>
+          </p:cNvPicPr>
+          <p:nvPr/>
+        </p:nvPicPr>
+        <p:blipFill>
+          <a:blip r:embed="rId1"/>
+          <a:stretch>
+            <a:fillRect/>
+          </a:stretch>
+        </p:blipFill>
+        <p:spPr>
+          <a:xfrm>
+            <a:off x="246380" y="1377315"/>
+            <a:ext cx="5206365" cy="3205480"/>
+          </a:xfrm>
+          <a:prstGeom prst="rect">
+            <a:avLst/>
+          </a:prstGeom>
+        </p:spPr>
+      </p:pic>
+      <p:pic>
+        <p:nvPicPr>
+          <p:cNvPr id="4" name="图片 3"/>
+          <p:cNvPicPr>
+            <a:picLocks noChangeAspect="1"/>
+          </p:cNvPicPr>
+          <p:nvPr/>
+        </p:nvPicPr>
+        <p:blipFill>
+          <a:blip r:embed="rId2"/>
+          <a:stretch>
+            <a:fillRect/>
+          </a:stretch>
+        </p:blipFill>
+        <p:spPr>
+          <a:xfrm>
+            <a:off x="4030345" y="3556000"/>
+            <a:ext cx="5113655" cy="3302000"/>
+          </a:xfrm>
+          <a:prstGeom prst="rect">
+            <a:avLst/>
+          </a:prstGeom>
+        </p:spPr>
+      </p:pic>
+    </p:spTree>
+  </p:cSld>
+  <p:clrMapOvr>
+    <a:masterClrMapping/>
+  </p:clrMapOvr>
+  <p:transition spd="med">
+    <p:fade/>
+  </p:transition>
+</p:sld>
+</file>
+
+<file path=ppt/slides/slide22.xml><?xml version="1.0" encoding="utf-8"?>
+<p:sld xmlns:a="http://schemas.openxmlformats.org/drawingml/2006/main" xmlns:r="http://schemas.openxmlformats.org/officeDocument/2006/relationships" xmlns:p="http://schemas.openxmlformats.org/presentationml/2006/main">
+  <p:cSld>
+    <p:spTree>
+      <p:nvGrpSpPr>
+        <p:cNvPr id="1" name=""/>
+        <p:cNvGrpSpPr/>
+        <p:nvPr/>
+      </p:nvGrpSpPr>
+      <p:grpSpPr>
+        <a:xfrm>
+          <a:off x="0" y="0"/>
+          <a:ext cx="0" cy="0"/>
+          <a:chOff x="0" y="0"/>
+          <a:chExt cx="0" cy="0"/>
+        </a:xfrm>
+      </p:grpSpPr>
+      <p:sp>
+        <p:nvSpPr>
+          <p:cNvPr id="21505" name="Title 1"/>
+          <p:cNvSpPr>
+            <a:spLocks noGrp="1"/>
+          </p:cNvSpPr>
+          <p:nvPr>
+            <p:ph type="title"/>
+          </p:nvPr>
+        </p:nvSpPr>
+        <p:spPr>
+          <a:xfrm>
+            <a:off x="233363" y="308848"/>
+            <a:ext cx="8227219" cy="327422"/>
+          </a:xfrm>
+        </p:spPr>
+        <p:txBody>
+          <a:bodyPr vert="horz" lIns="0" tIns="0" rIns="0" bIns="0" rtlCol="0" anchor="ctr">
+            <a:normAutofit fontScale="90000"/>
+          </a:bodyPr>
+          <a:lstStyle/>
+          <a:p>
+            <a:pPr algn="ctr"/>
+            <a:r>
+              <a:rPr lang="en-US" altLang="en-GB" sz="3200" b="1" dirty="0">
+                <a:latin typeface="Calibri" panose="020F0502020204030204" pitchFamily="34" charset="0"/>
+                <a:cs typeface="Calibri" panose="020F0502020204030204" pitchFamily="34" charset="0"/>
+                <a:sym typeface="+mn-ea"/>
+              </a:rPr>
+              <a:t>Nginx</a:t>
+            </a:r>
+            <a:endParaRPr lang="en-US" altLang="en-GB" sz="3200" b="1" dirty="0">
+              <a:latin typeface="Calibri" panose="020F0502020204030204" pitchFamily="34" charset="0"/>
+              <a:cs typeface="Calibri" panose="020F0502020204030204" pitchFamily="34" charset="0"/>
+            </a:endParaRPr>
+          </a:p>
+        </p:txBody>
+      </p:sp>
+      <p:sp>
+        <p:nvSpPr>
+          <p:cNvPr id="21506" name="文本框 6"/>
+          <p:cNvSpPr txBox="1"/>
+          <p:nvPr/>
+        </p:nvSpPr>
+        <p:spPr>
+          <a:xfrm>
+            <a:off x="246455" y="859156"/>
+            <a:ext cx="8651359" cy="5486400"/>
+          </a:xfrm>
+          <a:prstGeom prst="rect">
+            <a:avLst/>
+          </a:prstGeom>
+          <a:noFill/>
+          <a:ln w="9525">
+            <a:noFill/>
+          </a:ln>
+        </p:spPr>
+        <p:txBody>
+          <a:bodyPr wrap="square" lIns="0" tIns="0" rIns="0" bIns="0" anchor="t"/>
+          <a:lstStyle/>
+          <a:p>
+            <a:pPr marL="171450" lvl="0" indent="-171450" fontAlgn="auto">
+              <a:lnSpc>
+                <a:spcPct val="200000"/>
+              </a:lnSpc>
+              <a:spcBef>
+                <a:spcPts val="700"/>
+              </a:spcBef>
+              <a:buFont typeface="Arial" panose="020B0604020202020204" pitchFamily="34" charset="0"/>
+              <a:buChar char="•"/>
+            </a:pPr>
+            <a:r>
+              <a:rPr lang="en-US" altLang="zh-CN" dirty="0"/>
+              <a:t>Load Balancing</a:t>
+            </a:r>
+            <a:endParaRPr dirty="0"/>
+          </a:p>
+          <a:p>
+            <a:pPr marL="171450" lvl="0" indent="-171450" fontAlgn="auto">
+              <a:lnSpc>
+                <a:spcPct val="200000"/>
+              </a:lnSpc>
+              <a:spcBef>
+                <a:spcPts val="700"/>
+              </a:spcBef>
+              <a:buFont typeface="Arial" panose="020B0604020202020204" pitchFamily="34" charset="0"/>
+              <a:buChar char="•"/>
+            </a:pPr>
+            <a:endParaRPr dirty="0"/>
+          </a:p>
+        </p:txBody>
+      </p:sp>
+      <p:sp>
+        <p:nvSpPr>
+          <p:cNvPr id="6" name="TextBox 6"/>
+          <p:cNvSpPr txBox="1"/>
+          <p:nvPr/>
+        </p:nvSpPr>
+        <p:spPr>
+          <a:xfrm>
+            <a:off x="25183" y="6636420"/>
+            <a:ext cx="3270445" cy="184664"/>
+          </a:xfrm>
+          <a:prstGeom prst="rect">
+            <a:avLst/>
+          </a:prstGeom>
+          <a:ln w="12700">
+            <a:miter lim="400000"/>
+          </a:ln>
+        </p:spPr>
+        <p:txBody>
+          <a:bodyPr wrap="none" lIns="34289" tIns="34289" rIns="34289" bIns="34289">
+            <a:spAutoFit/>
+          </a:bodyPr>
+          <a:lstStyle>
+            <a:lvl1pPr defTabSz="914400">
+              <a:defRPr sz="1000">
+                <a:solidFill>
+                  <a:srgbClr val="FFFFFF"/>
+                </a:solidFill>
+                <a:latin typeface="Montserrat" panose="00000500000000000000"/>
+                <a:ea typeface="Montserrat" panose="00000500000000000000"/>
+                <a:cs typeface="Montserrat" panose="00000500000000000000"/>
+                <a:sym typeface="Montserrat" panose="00000500000000000000"/>
+              </a:defRPr>
+            </a:lvl1pPr>
+          </a:lstStyle>
+          <a:p>
+            <a:r>
+              <a:rPr lang="en-US" sz="750" dirty="0">
+                <a:solidFill>
+                  <a:schemeClr val="tx1"/>
+                </a:solidFill>
+                <a:latin typeface="Montserrat" panose="00000500000000000000" pitchFamily="2" charset="0"/>
+              </a:rPr>
+              <a:t>© 2017-2020    SmartMesh Foundation Pte. Ltd.  |  MeshBox Foundation Pte. Ltd.</a:t>
+            </a:r>
+            <a:endParaRPr lang="en-US" sz="750" dirty="0">
+              <a:solidFill>
+                <a:schemeClr val="tx1"/>
+              </a:solidFill>
+              <a:latin typeface="Montserrat" panose="00000500000000000000" pitchFamily="2" charset="0"/>
+              <a:sym typeface="Arial" panose="020B0604020202020204"/>
+            </a:endParaRPr>
+          </a:p>
+        </p:txBody>
+      </p:sp>
+      <p:sp>
+        <p:nvSpPr>
+          <p:cNvPr id="7" name="TextBox 6"/>
+          <p:cNvSpPr txBox="1">
+            <a:spLocks noChangeArrowheads="1"/>
+          </p:cNvSpPr>
+          <p:nvPr/>
+        </p:nvSpPr>
+        <p:spPr bwMode="auto">
+          <a:xfrm>
+            <a:off x="7872314" y="6569155"/>
+            <a:ext cx="1289447" cy="253916"/>
+          </a:xfrm>
+          <a:prstGeom prst="rect">
+            <a:avLst/>
+          </a:prstGeom>
+          <a:noFill/>
+          <a:ln w="9525">
+            <a:noFill/>
+            <a:miter lim="800000"/>
+          </a:ln>
+        </p:spPr>
+        <p:txBody>
+          <a:bodyPr>
+            <a:spAutoFit/>
+          </a:bodyPr>
+          <a:lstStyle/>
+          <a:p>
+            <a:pPr algn="r"/>
+            <a:fld id="{6F888031-CE6A-4173-BB2B-520974F34056}" type="slidenum">
+              <a:rPr lang="en-GB" sz="1050">
+                <a:latin typeface="Calibri" panose="020F0502020204030204" pitchFamily="34" charset="0"/>
+              </a:rPr>
+            </a:fld>
+            <a:endParaRPr lang="en-GB" sz="1050" dirty="0">
+              <a:latin typeface="Calibri" panose="020F0502020204030204" pitchFamily="34" charset="0"/>
+            </a:endParaRPr>
+          </a:p>
+        </p:txBody>
+      </p:sp>
+      <p:pic>
+        <p:nvPicPr>
+          <p:cNvPr id="2" name="图片 1"/>
+          <p:cNvPicPr>
+            <a:picLocks noChangeAspect="1"/>
+          </p:cNvPicPr>
+          <p:nvPr/>
+        </p:nvPicPr>
+        <p:blipFill>
+          <a:blip r:embed="rId1"/>
+          <a:stretch>
+            <a:fillRect/>
+          </a:stretch>
+        </p:blipFill>
+        <p:spPr>
+          <a:xfrm>
+            <a:off x="246380" y="1339850"/>
+            <a:ext cx="5172075" cy="5229225"/>
+          </a:xfrm>
+          <a:prstGeom prst="rect">
+            <a:avLst/>
+          </a:prstGeom>
+        </p:spPr>
+      </p:pic>
     </p:spTree>
   </p:cSld>
   <p:clrMapOvr>
@@ -10553,44 +11507,6 @@
               <a:buChar char="•"/>
             </a:pPr>
             <a:r>
-              <a:rPr lang="en-US" sz="1540" dirty="0">
-                <a:solidFill>
-                  <a:srgbClr val="262626"/>
-                </a:solidFill>
-              </a:rPr>
-              <a:t>1 Add Web3 to React (</a:t>
-            </a:r>
-            <a:r>
-              <a:rPr lang="en-US" sz="1540" dirty="0">
-                <a:solidFill>
-                  <a:srgbClr val="FF0000"/>
-                </a:solidFill>
-              </a:rPr>
-              <a:t>Code Demo</a:t>
-            </a:r>
-            <a:r>
-              <a:rPr lang="en-US" sz="1540" dirty="0">
-                <a:solidFill>
-                  <a:srgbClr val="262626"/>
-                </a:solidFill>
-              </a:rPr>
-              <a:t>)</a:t>
-            </a:r>
-            <a:endParaRPr lang="en-US" sz="1540" dirty="0">
-              <a:solidFill>
-                <a:srgbClr val="262626"/>
-              </a:solidFill>
-            </a:endParaRPr>
-          </a:p>
-          <a:p>
-            <a:pPr marL="228600" lvl="0" indent="-228600" defTabSz="342900">
-              <a:lnSpc>
-                <a:spcPct val="120000"/>
-              </a:lnSpc>
-              <a:buFont typeface="Arial" panose="020B0604020202020204" pitchFamily="34" charset="0"/>
-              <a:buChar char="•"/>
-            </a:pPr>
-            <a:r>
               <a:rPr lang="en-US" altLang="en-US" sz="1540" dirty="0">
                 <a:solidFill>
                   <a:srgbClr val="262626"/>
@@ -10703,7 +11619,7 @@
                   <a:srgbClr val="262626"/>
                 </a:solidFill>
               </a:rPr>
-              <a:t>1.  compile the frontend</a:t>
+              <a:t>step 1.  host the application</a:t>
             </a:r>
             <a:endParaRPr lang="en-US" altLang="en-US" sz="1540" dirty="0">
               <a:solidFill>
@@ -10719,14 +11635,6 @@
               <a:buFont typeface="Arial" panose="020B0604020202020204" pitchFamily="34" charset="0"/>
               <a:buChar char="•"/>
             </a:pPr>
-            <a:r>
-              <a:rPr lang="en-US" altLang="en-US" sz="1540" dirty="0">
-                <a:solidFill>
-                  <a:srgbClr val="262626"/>
-                </a:solidFill>
-              </a:rPr>
-              <a:t>or</a:t>
-            </a:r>
             <a:endParaRPr lang="en-US" altLang="en-US" sz="1540" dirty="0">
               <a:solidFill>
                 <a:srgbClr val="262626"/>
@@ -10747,7 +11655,7 @@
                   <a:srgbClr val="262626"/>
                 </a:solidFill>
               </a:rPr>
-              <a:t>Dockernize / daemonize  the backend and frontend</a:t>
+              <a:t>method 1: compile the frontend / backend</a:t>
             </a:r>
             <a:endParaRPr lang="en-US" altLang="en-US" sz="1540" dirty="0">
               <a:solidFill>
@@ -10764,14 +11672,15 @@
               <a:buChar char="•"/>
             </a:pPr>
             <a:r>
-              <a:rPr lang="en-US" altLang="en-US" sz="1540" dirty="0">
+              <a:rPr lang="en-US" altLang="en-US" sz="1535" dirty="0">
                 <a:solidFill>
                   <a:srgbClr val="262626"/>
                 </a:solidFill>
+                <a:sym typeface="+mn-ea"/>
               </a:rPr>
-              <a:t>3. config webserver  /var/www/html</a:t>
-            </a:r>
-            <a:endParaRPr lang="en-US" altLang="en-US" sz="1540" dirty="0">
+              <a:t>usually on production, we could use pm2 or forever, this kind of process protector to host the appliction </a:t>
+            </a:r>
+            <a:endParaRPr lang="en-US" altLang="en-US" sz="1535" dirty="0">
               <a:solidFill>
                 <a:srgbClr val="262626"/>
               </a:solidFill>
@@ -10785,13 +11694,107 @@
               <a:buFont typeface="Arial" panose="020B0604020202020204" pitchFamily="34" charset="0"/>
               <a:buChar char="•"/>
             </a:pPr>
+            <a:endParaRPr lang="en-US" altLang="en-US" sz="1540" dirty="0">
+              <a:solidFill>
+                <a:srgbClr val="262626"/>
+              </a:solidFill>
+            </a:endParaRPr>
+          </a:p>
+          <a:p>
+            <a:pPr marL="228600" lvl="0" indent="-228600" defTabSz="342900">
+              <a:lnSpc>
+                <a:spcPct val="120000"/>
+              </a:lnSpc>
+              <a:buFont typeface="Arial" panose="020B0604020202020204" pitchFamily="34" charset="0"/>
+              <a:buChar char="•"/>
+            </a:pPr>
             <a:r>
               <a:rPr lang="en-US" altLang="en-US" sz="1540" dirty="0">
                 <a:solidFill>
                   <a:srgbClr val="262626"/>
                 </a:solidFill>
               </a:rPr>
-              <a:t>4. config DNS</a:t>
+              <a:t>method 2: Dockernize / daemonize  the backend and frontend</a:t>
+            </a:r>
+            <a:endParaRPr lang="en-US" altLang="en-US" sz="1540" dirty="0">
+              <a:solidFill>
+                <a:srgbClr val="262626"/>
+              </a:solidFill>
+            </a:endParaRPr>
+          </a:p>
+          <a:p>
+            <a:pPr marL="228600" lvl="0" indent="-228600" defTabSz="342900">
+              <a:lnSpc>
+                <a:spcPct val="120000"/>
+              </a:lnSpc>
+              <a:buFont typeface="Arial" panose="020B0604020202020204" pitchFamily="34" charset="0"/>
+              <a:buChar char="•"/>
+            </a:pPr>
+            <a:r>
+              <a:rPr lang="en-US" altLang="en-US" sz="1540" dirty="0">
+                <a:solidFill>
+                  <a:srgbClr val="262626"/>
+                </a:solidFill>
+              </a:rPr>
+              <a:t>run docker directly</a:t>
+            </a:r>
+            <a:endParaRPr lang="en-US" altLang="en-US" sz="1540" dirty="0">
+              <a:solidFill>
+                <a:srgbClr val="262626"/>
+              </a:solidFill>
+            </a:endParaRPr>
+          </a:p>
+          <a:p>
+            <a:pPr marL="228600" lvl="0" indent="-228600" defTabSz="342900">
+              <a:lnSpc>
+                <a:spcPct val="120000"/>
+              </a:lnSpc>
+              <a:buFont typeface="Arial" panose="020B0604020202020204" pitchFamily="34" charset="0"/>
+              <a:buChar char="•"/>
+            </a:pPr>
+            <a:endParaRPr lang="en-US" altLang="en-US" sz="1540" dirty="0">
+              <a:solidFill>
+                <a:srgbClr val="262626"/>
+              </a:solidFill>
+            </a:endParaRPr>
+          </a:p>
+          <a:p>
+            <a:pPr marL="228600" lvl="0" indent="-228600" defTabSz="342900">
+              <a:lnSpc>
+                <a:spcPct val="120000"/>
+              </a:lnSpc>
+              <a:buFont typeface="Arial" panose="020B0604020202020204" pitchFamily="34" charset="0"/>
+              <a:buChar char="•"/>
+            </a:pPr>
+            <a:r>
+              <a:rPr lang="en-US" altLang="en-US" sz="1540" dirty="0">
+                <a:solidFill>
+                  <a:srgbClr val="262626"/>
+                </a:solidFill>
+              </a:rPr>
+              <a:t>step 2. config webserver  /var/www/html</a:t>
+            </a:r>
+            <a:endParaRPr lang="en-US" altLang="en-US" sz="1540" dirty="0">
+              <a:solidFill>
+                <a:srgbClr val="262626"/>
+              </a:solidFill>
+            </a:endParaRPr>
+          </a:p>
+          <a:p>
+            <a:pPr marL="228600" lvl="0" indent="-228600" defTabSz="342900">
+              <a:lnSpc>
+                <a:spcPct val="120000"/>
+              </a:lnSpc>
+              <a:buFont typeface="Arial" panose="020B0604020202020204" pitchFamily="34" charset="0"/>
+              <a:buChar char="•"/>
+            </a:pPr>
+            <a:r>
+              <a:rPr lang="en-US" altLang="en-US" sz="1540" dirty="0">
+                <a:solidFill>
+                  <a:srgbClr val="262626"/>
+                </a:solidFill>
+              </a:rPr>
+              <a:t>step 3. config DNS</a:t>
             </a:r>
             <a:endParaRPr lang="en-US" altLang="en-US" sz="1540" dirty="0">
               <a:solidFill>
@@ -11378,7 +12381,7 @@
                 <a:latin typeface="Calibri" panose="020F0502020204030204" pitchFamily="34" charset="0"/>
                 <a:cs typeface="Calibri" panose="020F0502020204030204" pitchFamily="34" charset="0"/>
               </a:rPr>
-              <a:t>Compile the frontend</a:t>
+              <a:t>What is Webpacks</a:t>
             </a:r>
             <a:endParaRPr lang="en-US" sz="3200" b="1" dirty="0">
               <a:latin typeface="Calibri" panose="020F0502020204030204" pitchFamily="34" charset="0"/>
@@ -11405,7 +12408,7 @@
         </p:spPr>
         <p:txBody>
           <a:bodyPr>
-            <a:normAutofit lnSpcReduction="10000"/>
+            <a:normAutofit/>
           </a:bodyPr>
           <a:lstStyle/>
           <a:p>
@@ -11417,14 +12420,14 @@
               <a:buChar char="•"/>
             </a:pPr>
             <a:r>
-              <a:rPr lang="en-US" altLang="en-US" sz="1540" dirty="0">
+              <a:rPr lang="en-US" altLang="en-US" sz="1800" dirty="0">
                 <a:solidFill>
                   <a:srgbClr val="262626"/>
                 </a:solidFill>
               </a:rPr>
-              <a:t>Webpack vs Pracel vs react build etc</a:t>
-            </a:r>
-            <a:endParaRPr lang="en-US" altLang="en-US" sz="1540" dirty="0">
+              <a:t>Handle CSS</a:t>
+            </a:r>
+            <a:endParaRPr lang="en-US" altLang="en-US" sz="1800" dirty="0">
               <a:solidFill>
                 <a:srgbClr val="262626"/>
               </a:solidFill>
@@ -11438,7 +12441,15 @@
               <a:buFont typeface="Arial" panose="020B0604020202020204" pitchFamily="34" charset="0"/>
               <a:buChar char="•"/>
             </a:pPr>
-            <a:endParaRPr lang="en-US" altLang="en-US" sz="1540" dirty="0">
+            <a:r>
+              <a:rPr lang="en-US" altLang="en-US" sz="1800" dirty="0">
+                <a:solidFill>
+                  <a:srgbClr val="262626"/>
+                </a:solidFill>
+              </a:rPr>
+              <a:t>test - regular expressrion, to find satisfied files. use - load plugin</a:t>
+            </a:r>
+            <a:endParaRPr lang="en-US" altLang="en-US" sz="1800" dirty="0">
               <a:solidFill>
                 <a:srgbClr val="262626"/>
               </a:solidFill>
@@ -11452,65 +12463,56 @@
               <a:buFont typeface="Arial" panose="020B0604020202020204" pitchFamily="34" charset="0"/>
               <a:buChar char="•"/>
             </a:pPr>
-            <a:r>
-              <a:rPr lang="en-US" altLang="en-US" sz="1540" dirty="0">
-                <a:solidFill>
-                  <a:srgbClr val="262626"/>
-                </a:solidFill>
-              </a:rPr>
-              <a:t>react-scripts hides all of the webpack configs behind the scenes.</a:t>
-            </a:r>
-            <a:endParaRPr lang="en-US" altLang="en-US" sz="1540" dirty="0">
+            <a:endParaRPr lang="en-US" altLang="en-US" sz="1800" dirty="0">
               <a:solidFill>
                 <a:srgbClr val="262626"/>
               </a:solidFill>
             </a:endParaRPr>
           </a:p>
-          <a:p>
-            <a:pPr marL="228600" lvl="0" indent="-228600" defTabSz="342900">
-              <a:lnSpc>
-                <a:spcPct val="120000"/>
-              </a:lnSpc>
-              <a:buFont typeface="Arial" panose="020B0604020202020204" pitchFamily="34" charset="0"/>
-              <a:buChar char="•"/>
-            </a:pPr>
-            <a:endParaRPr lang="en-US" altLang="en-US" sz="1540" dirty="0">
-              <a:solidFill>
-                <a:srgbClr val="262626"/>
-              </a:solidFill>
-            </a:endParaRPr>
-          </a:p>
-          <a:p>
-            <a:pPr marL="228600" lvl="0" indent="-228600" defTabSz="342900">
-              <a:lnSpc>
-                <a:spcPct val="120000"/>
-              </a:lnSpc>
-              <a:buFont typeface="Arial" panose="020B0604020202020204" pitchFamily="34" charset="0"/>
-              <a:buChar char="•"/>
-            </a:pPr>
-            <a:r>
-              <a:rPr lang="en-US" altLang="en-US" sz="1535" dirty="0">
-                <a:solidFill>
-                  <a:srgbClr val="262626"/>
-                </a:solidFill>
-                <a:sym typeface="+mn-ea"/>
-              </a:rPr>
-              <a:t>Pracel cannot do code splitting</a:t>
-            </a:r>
-            <a:endParaRPr lang="en-US" altLang="en-US" sz="1540" dirty="0">
-              <a:solidFill>
-                <a:srgbClr val="262626"/>
-              </a:solidFill>
-            </a:endParaRPr>
-          </a:p>
-        </p:txBody>
-      </p:sp>
+        </p:txBody>
+      </p:sp>
+      <p:pic>
+        <p:nvPicPr>
+          <p:cNvPr id="4" name="图片 3"/>
+          <p:cNvPicPr>
+            <a:picLocks noChangeAspect="1"/>
+          </p:cNvPicPr>
+          <p:nvPr/>
+        </p:nvPicPr>
+        <p:blipFill>
+          <a:blip r:embed="rId1"/>
+          <a:stretch>
+            <a:fillRect/>
+          </a:stretch>
+        </p:blipFill>
+        <p:spPr>
+          <a:xfrm>
+            <a:off x="765810" y="1981200"/>
+            <a:ext cx="5495925" cy="4876800"/>
+          </a:xfrm>
+          <a:prstGeom prst="rect">
+            <a:avLst/>
+          </a:prstGeom>
+        </p:spPr>
+      </p:pic>
     </p:spTree>
   </p:cSld>
   <p:clrMapOvr>
     <a:masterClrMapping/>
   </p:clrMapOvr>
 </p:sld>
+</file>
+
+<file path=ppt/tags/tag1.xml><?xml version="1.0" encoding="utf-8"?>
+<p:tagLst xmlns:p="http://schemas.openxmlformats.org/presentationml/2006/main">
+  <p:tag name="KSO_WM_UNIT_PLACING_PICTURE_USER_VIEWPORT" val="{&quot;height&quot;:6480,&quot;width&quot;:7740}"/>
+</p:tagLst>
+</file>
+
+<file path=ppt/tags/tag2.xml><?xml version="1.0" encoding="utf-8"?>
+<p:tagLst xmlns:p="http://schemas.openxmlformats.org/presentationml/2006/main">
+  <p:tag name="KSO_WM_UNIT_PLACING_PICTURE_USER_VIEWPORT" val="{&quot;height&quot;:7005,&quot;width&quot;:16155}"/>
+</p:tagLst>
 </file>
 
 <file path=ppt/theme/theme1.xml><?xml version="1.0" encoding="utf-8"?>

--- a/BCI - Batch2 - Day12 - Webpack http server and production.pptx
+++ b/BCI - Batch2 - Day12 - Webpack http server and production.pptx
@@ -8739,7 +8739,7 @@
                   <a:srgbClr val="262626"/>
                 </a:solidFill>
               </a:rPr>
-              <a:t>Webpack compile api application</a:t>
+              <a:t>Webpack compile an api application</a:t>
             </a:r>
             <a:endParaRPr lang="en-US" altLang="en-US" sz="1540" dirty="0">
               <a:solidFill>
